--- a/Documents/Презентация ВКР Семенов Е.А. БПЦ 21-01.pptx
+++ b/Documents/Презентация ВКР Семенов Е.А. БПЦ 21-01.pptx
@@ -361,7 +361,7 @@
               <a:pPr>
                 <a:defRPr/>
               </a:pPr>
-              <a:t>6/5/2025</a:t>
+              <a:t>6/8/2025</a:t>
             </a:fld>
             <a:endParaRPr lang="en-US"/>
           </a:p>
@@ -595,7 +595,7 @@
               <a:pPr>
                 <a:defRPr/>
               </a:pPr>
-              <a:t>05.06.2025</a:t>
+              <a:t>08.06.2025</a:t>
             </a:fld>
             <a:endParaRPr lang="ru-RU"/>
           </a:p>
@@ -21325,7 +21325,7 @@
         </p:nvSpPr>
         <p:spPr>
           <a:xfrm>
-            <a:off x="668755" y="5416908"/>
+            <a:off x="695325" y="6219825"/>
             <a:ext cx="8691927" cy="400110"/>
           </a:xfrm>
           <a:prstGeom prst="rect">
@@ -21342,11 +21342,6 @@
             <a:pPr algn="ctr"/>
             <a:r>
               <a:rPr lang="ru-RU" sz="2000" b="0" i="0" dirty="0">
-                <a:solidFill>
-                  <a:schemeClr val="accent1">
-                    <a:lumMod val="50000"/>
-                  </a:schemeClr>
-                </a:solidFill>
                 <a:effectLst/>
                 <a:latin typeface="+mn-lt"/>
               </a:rPr>
@@ -22366,7 +22361,7 @@
           <p:cNvPicPr/>
           <p:nvPr/>
         </p:nvPicPr>
-        <p:blipFill>
+        <p:blipFill rotWithShape="1">
           <a:blip r:embed="rId7">
             <a:extLst>
               <a:ext uri="{28A0092B-C50C-407E-A947-70E740481C1C}">
@@ -22374,15 +22369,13 @@
               </a:ext>
             </a:extLst>
           </a:blip>
-          <a:srcRect/>
-          <a:stretch>
-            <a:fillRect/>
-          </a:stretch>
+          <a:srcRect r="3873"/>
+          <a:stretch/>
         </p:blipFill>
         <p:spPr bwMode="auto">
           <a:xfrm>
             <a:off x="654050" y="1046164"/>
-            <a:ext cx="2786982" cy="2900194"/>
+            <a:ext cx="2679031" cy="2900194"/>
           </a:xfrm>
           <a:prstGeom prst="rect">
             <a:avLst/>
@@ -22424,11 +22417,6 @@
             <a:pPr algn="ctr"/>
             <a:r>
               <a:rPr lang="ru-RU" sz="2000" b="0" i="0" dirty="0">
-                <a:solidFill>
-                  <a:schemeClr val="accent1">
-                    <a:lumMod val="50000"/>
-                  </a:schemeClr>
-                </a:solidFill>
                 <a:effectLst/>
                 <a:latin typeface="+mn-lt"/>
               </a:rPr>
@@ -22449,7 +22437,7 @@
           <p:cNvPicPr/>
           <p:nvPr/>
         </p:nvPicPr>
-        <p:blipFill>
+        <p:blipFill rotWithShape="1">
           <a:blip r:embed="rId8">
             <a:extLst>
               <a:ext uri="{28A0092B-C50C-407E-A947-70E740481C1C}">
@@ -22457,15 +22445,13 @@
               </a:ext>
             </a:extLst>
           </a:blip>
-          <a:srcRect/>
-          <a:stretch>
-            <a:fillRect/>
-          </a:stretch>
+          <a:srcRect r="2468"/>
+          <a:stretch/>
         </p:blipFill>
         <p:spPr bwMode="auto">
           <a:xfrm>
             <a:off x="3714081" y="1074496"/>
-            <a:ext cx="2848475" cy="2843530"/>
+            <a:ext cx="2778159" cy="2843530"/>
           </a:xfrm>
           <a:prstGeom prst="rect">
             <a:avLst/>
@@ -22490,7 +22476,7 @@
         </p:nvSpPr>
         <p:spPr>
           <a:xfrm>
-            <a:off x="3866264" y="4079619"/>
+            <a:off x="3840028" y="4081403"/>
             <a:ext cx="2837615" cy="400110"/>
           </a:xfrm>
           <a:prstGeom prst="rect">
@@ -22507,11 +22493,6 @@
             <a:pPr algn="ctr"/>
             <a:r>
               <a:rPr lang="ru-RU" sz="2000" b="0" i="0" dirty="0">
-                <a:solidFill>
-                  <a:schemeClr val="accent1">
-                    <a:lumMod val="50000"/>
-                  </a:schemeClr>
-                </a:solidFill>
                 <a:effectLst/>
                 <a:latin typeface="+mn-lt"/>
               </a:rPr>
@@ -22532,7 +22513,7 @@
           <p:cNvPicPr/>
           <p:nvPr/>
         </p:nvPicPr>
-        <p:blipFill>
+        <p:blipFill rotWithShape="1">
           <a:blip r:embed="rId9">
             <a:extLst>
               <a:ext uri="{28A0092B-C50C-407E-A947-70E740481C1C}">
@@ -22540,15 +22521,13 @@
               </a:ext>
             </a:extLst>
           </a:blip>
-          <a:srcRect/>
-          <a:stretch>
-            <a:fillRect/>
-          </a:stretch>
+          <a:srcRect r="2084"/>
+          <a:stretch/>
         </p:blipFill>
         <p:spPr bwMode="auto">
           <a:xfrm>
             <a:off x="6677643" y="2214141"/>
-            <a:ext cx="3001344" cy="1703885"/>
+            <a:ext cx="2938797" cy="1703885"/>
           </a:xfrm>
           <a:prstGeom prst="rect">
             <a:avLst/>
@@ -22573,7 +22552,7 @@
         </p:nvSpPr>
         <p:spPr>
           <a:xfrm>
-            <a:off x="6677643" y="4145159"/>
+            <a:off x="6677643" y="4081403"/>
             <a:ext cx="2837615" cy="707886"/>
           </a:xfrm>
           <a:prstGeom prst="rect">
@@ -22590,11 +22569,6 @@
             <a:pPr algn="ctr"/>
             <a:r>
               <a:rPr lang="ru-RU" sz="2000" b="0" i="0" dirty="0">
-                <a:solidFill>
-                  <a:schemeClr val="accent1">
-                    <a:lumMod val="50000"/>
-                  </a:schemeClr>
-                </a:solidFill>
                 <a:effectLst/>
                 <a:latin typeface="+mn-lt"/>
               </a:rPr>
@@ -23597,7 +23571,7 @@
         </p:nvSpPr>
         <p:spPr>
           <a:xfrm>
-            <a:off x="468313" y="5918911"/>
+            <a:off x="540790" y="6301527"/>
             <a:ext cx="9210673" cy="400110"/>
           </a:xfrm>
           <a:prstGeom prst="rect">
@@ -23614,11 +23588,6 @@
             <a:pPr algn="ctr"/>
             <a:r>
               <a:rPr lang="ru-RU" sz="2000" b="0" i="0" dirty="0">
-                <a:solidFill>
-                  <a:schemeClr val="accent1">
-                    <a:lumMod val="50000"/>
-                  </a:schemeClr>
-                </a:solidFill>
                 <a:effectLst/>
                 <a:latin typeface="+mn-lt"/>
               </a:rPr>
@@ -24628,11 +24597,6 @@
             <a:pPr algn="ctr"/>
             <a:r>
               <a:rPr lang="ru-RU" sz="2000" b="0" i="0" dirty="0">
-                <a:solidFill>
-                  <a:schemeClr val="accent1">
-                    <a:lumMod val="50000"/>
-                  </a:schemeClr>
-                </a:solidFill>
                 <a:effectLst/>
                 <a:latin typeface="+mn-lt"/>
               </a:rPr>
@@ -24640,22 +24604,12 @@
             </a:r>
             <a:r>
               <a:rPr lang="ru-RU" sz="2000" dirty="0">
-                <a:solidFill>
-                  <a:schemeClr val="accent1">
-                    <a:lumMod val="50000"/>
-                  </a:schemeClr>
-                </a:solidFill>
                 <a:latin typeface="+mn-lt"/>
               </a:rPr>
               <a:t>бор данных</a:t>
             </a:r>
             <a:r>
               <a:rPr lang="ru-RU" sz="2000" b="0" i="0" dirty="0">
-                <a:solidFill>
-                  <a:schemeClr val="accent1">
-                    <a:lumMod val="50000"/>
-                  </a:schemeClr>
-                </a:solidFill>
                 <a:effectLst/>
                 <a:latin typeface="+mn-lt"/>
               </a:rPr>
@@ -25988,11 +25942,6 @@
             <a:pPr algn="ctr"/>
             <a:r>
               <a:rPr lang="ru-RU" sz="2000" b="0" i="0" dirty="0">
-                <a:solidFill>
-                  <a:schemeClr val="accent1">
-                    <a:lumMod val="50000"/>
-                  </a:schemeClr>
-                </a:solidFill>
                 <a:effectLst/>
                 <a:latin typeface="+mn-lt"/>
               </a:rPr>
@@ -27002,11 +26951,6 @@
             <a:pPr algn="ctr"/>
             <a:r>
               <a:rPr lang="ru-RU" sz="2000" b="0" i="0" dirty="0">
-                <a:solidFill>
-                  <a:schemeClr val="accent1">
-                    <a:lumMod val="50000"/>
-                  </a:schemeClr>
-                </a:solidFill>
                 <a:effectLst/>
                 <a:latin typeface="+mn-lt"/>
               </a:rPr>
@@ -27980,6 +27924,45 @@
           </a:prstGeom>
         </p:spPr>
       </p:pic>
+      <p:sp>
+        <p:nvSpPr>
+          <p:cNvPr id="12" name="TextBox 11">
+            <a:extLst>
+              <a:ext uri="{FF2B5EF4-FFF2-40B4-BE49-F238E27FC236}">
+                <a16:creationId xmlns:a16="http://schemas.microsoft.com/office/drawing/2014/main" id="{DA8A6ED0-751F-44EB-BA88-5AA98449DB0F}"/>
+              </a:ext>
+            </a:extLst>
+          </p:cNvPr>
+          <p:cNvSpPr txBox="1"/>
+          <p:nvPr/>
+        </p:nvSpPr>
+        <p:spPr>
+          <a:xfrm>
+            <a:off x="433806" y="6230579"/>
+            <a:ext cx="9245181" cy="400110"/>
+          </a:xfrm>
+          <a:prstGeom prst="rect">
+            <a:avLst/>
+          </a:prstGeom>
+          <a:noFill/>
+        </p:spPr>
+        <p:txBody>
+          <a:bodyPr wrap="square">
+            <a:spAutoFit/>
+          </a:bodyPr>
+          <a:lstStyle/>
+          <a:p>
+            <a:pPr algn="ctr"/>
+            <a:r>
+              <a:rPr lang="ru-RU" sz="2000" b="0" i="0" dirty="0">
+                <a:effectLst/>
+                <a:latin typeface="+mn-lt"/>
+              </a:rPr>
+              <a:t>Алгоритм получения данных</a:t>
+            </a:r>
+          </a:p>
+        </p:txBody>
+      </p:sp>
     </p:spTree>
     <p:extLst>
       <p:ext uri="{BB962C8B-B14F-4D97-AF65-F5344CB8AC3E}">
@@ -28947,11 +28930,6 @@
             <a:pPr algn="l"/>
             <a:r>
               <a:rPr lang="ru-RU" b="1" i="0" dirty="0">
-                <a:solidFill>
-                  <a:schemeClr val="accent1">
-                    <a:lumMod val="50000"/>
-                  </a:schemeClr>
-                </a:solidFill>
                 <a:effectLst/>
                 <a:latin typeface="+mn-lt"/>
               </a:rPr>
@@ -28959,11 +28937,6 @@
             </a:r>
             <a:r>
               <a:rPr lang="ru-RU" b="1" i="0" dirty="0" err="1">
-                <a:solidFill>
-                  <a:schemeClr val="accent1">
-                    <a:lumMod val="50000"/>
-                  </a:schemeClr>
-                </a:solidFill>
                 <a:effectLst/>
                 <a:latin typeface="+mn-lt"/>
               </a:rPr>
@@ -28971,22 +28944,12 @@
             </a:r>
             <a:r>
               <a:rPr lang="ru-RU" b="1" i="0" dirty="0">
-                <a:solidFill>
-                  <a:schemeClr val="accent1">
-                    <a:lumMod val="50000"/>
-                  </a:schemeClr>
-                </a:solidFill>
                 <a:effectLst/>
                 <a:latin typeface="+mn-lt"/>
               </a:rPr>
               <a:t>)</a:t>
             </a:r>
             <a:endParaRPr lang="ru-RU" b="0" i="0" dirty="0">
-              <a:solidFill>
-                <a:schemeClr val="accent1">
-                  <a:lumMod val="50000"/>
-                </a:schemeClr>
-              </a:solidFill>
               <a:effectLst/>
               <a:latin typeface="+mn-lt"/>
             </a:endParaRPr>
@@ -28998,11 +28961,6 @@
             </a:pPr>
             <a:r>
               <a:rPr lang="ru-RU" i="0" dirty="0">
-                <a:solidFill>
-                  <a:schemeClr val="accent1">
-                    <a:lumMod val="50000"/>
-                  </a:schemeClr>
-                </a:solidFill>
                 <a:effectLst/>
                 <a:latin typeface="+mn-lt"/>
               </a:rPr>
@@ -29016,11 +28974,6 @@
             </a:pPr>
             <a:r>
               <a:rPr lang="ru-RU" i="0" dirty="0">
-                <a:solidFill>
-                  <a:schemeClr val="accent1">
-                    <a:lumMod val="50000"/>
-                  </a:schemeClr>
-                </a:solidFill>
                 <a:effectLst/>
                 <a:latin typeface="+mn-lt"/>
               </a:rPr>
@@ -29028,11 +28981,6 @@
             </a:r>
             <a:r>
               <a:rPr lang="ru-RU" i="0" dirty="0" err="1">
-                <a:solidFill>
-                  <a:schemeClr val="accent1">
-                    <a:lumMod val="50000"/>
-                  </a:schemeClr>
-                </a:solidFill>
                 <a:effectLst/>
                 <a:latin typeface="+mn-lt"/>
               </a:rPr>
@@ -29040,21 +28988,11 @@
             </a:r>
             <a:r>
               <a:rPr lang="ru-RU" dirty="0">
-                <a:solidFill>
-                  <a:schemeClr val="accent1">
-                    <a:lumMod val="50000"/>
-                  </a:schemeClr>
-                </a:solidFill>
                 <a:latin typeface="+mn-lt"/>
               </a:rPr>
               <a:t>.</a:t>
             </a:r>
             <a:endParaRPr lang="ru-RU" i="0" dirty="0">
-              <a:solidFill>
-                <a:schemeClr val="accent1">
-                  <a:lumMod val="50000"/>
-                </a:schemeClr>
-              </a:solidFill>
               <a:effectLst/>
               <a:latin typeface="+mn-lt"/>
             </a:endParaRPr>
@@ -29066,11 +29004,6 @@
             </a:pPr>
             <a:r>
               <a:rPr lang="ru-RU" i="0" dirty="0">
-                <a:solidFill>
-                  <a:schemeClr val="accent1">
-                    <a:lumMod val="50000"/>
-                  </a:schemeClr>
-                </a:solidFill>
                 <a:effectLst/>
                 <a:latin typeface="+mn-lt"/>
               </a:rPr>
@@ -29081,22 +29014,12 @@
             <a:pPr algn="l"/>
             <a:r>
               <a:rPr lang="ru-RU" b="1" i="0" dirty="0">
-                <a:solidFill>
-                  <a:schemeClr val="accent1">
-                    <a:lumMod val="50000"/>
-                  </a:schemeClr>
-                </a:solidFill>
                 <a:effectLst/>
                 <a:latin typeface="+mn-lt"/>
               </a:rPr>
               <a:t>2. Парсер (ручные тесты)</a:t>
             </a:r>
             <a:endParaRPr lang="ru-RU" b="0" i="0" dirty="0">
-              <a:solidFill>
-                <a:schemeClr val="accent1">
-                  <a:lumMod val="50000"/>
-                </a:schemeClr>
-              </a:solidFill>
               <a:effectLst/>
               <a:latin typeface="+mn-lt"/>
             </a:endParaRPr>
@@ -29108,11 +29031,6 @@
             </a:pPr>
             <a:r>
               <a:rPr lang="ru-RU" i="0" dirty="0">
-                <a:solidFill>
-                  <a:schemeClr val="accent1">
-                    <a:lumMod val="50000"/>
-                  </a:schemeClr>
-                </a:solidFill>
                 <a:effectLst/>
                 <a:latin typeface="+mn-lt"/>
               </a:rPr>
@@ -29120,11 +29038,6 @@
             </a:r>
             <a:r>
               <a:rPr lang="ru-RU" i="0" dirty="0" err="1">
-                <a:solidFill>
-                  <a:schemeClr val="accent1">
-                    <a:lumMod val="50000"/>
-                  </a:schemeClr>
-                </a:solidFill>
                 <a:effectLst/>
                 <a:latin typeface="+mn-lt"/>
               </a:rPr>
@@ -29132,21 +29045,11 @@
             </a:r>
             <a:r>
               <a:rPr lang="ru-RU" dirty="0">
-                <a:solidFill>
-                  <a:schemeClr val="accent1">
-                    <a:lumMod val="50000"/>
-                  </a:schemeClr>
-                </a:solidFill>
                 <a:latin typeface="+mn-lt"/>
               </a:rPr>
               <a:t>.</a:t>
             </a:r>
             <a:endParaRPr lang="ru-RU" i="0" dirty="0">
-              <a:solidFill>
-                <a:schemeClr val="accent1">
-                  <a:lumMod val="50000"/>
-                </a:schemeClr>
-              </a:solidFill>
               <a:effectLst/>
               <a:latin typeface="+mn-lt"/>
             </a:endParaRPr>
@@ -29158,11 +29061,6 @@
             </a:pPr>
             <a:r>
               <a:rPr lang="ru-RU" i="0" dirty="0">
-                <a:solidFill>
-                  <a:schemeClr val="accent1">
-                    <a:lumMod val="50000"/>
-                  </a:schemeClr>
-                </a:solidFill>
                 <a:effectLst/>
                 <a:latin typeface="+mn-lt"/>
               </a:rPr>
@@ -29173,22 +29071,12 @@
             <a:pPr algn="l"/>
             <a:r>
               <a:rPr lang="ru-RU" b="1" i="0" dirty="0">
-                <a:solidFill>
-                  <a:schemeClr val="accent1">
-                    <a:lumMod val="50000"/>
-                  </a:schemeClr>
-                </a:solidFill>
                 <a:effectLst/>
                 <a:latin typeface="+mn-lt"/>
               </a:rPr>
               <a:t>3. Интеграция с БД</a:t>
             </a:r>
             <a:endParaRPr lang="ru-RU" b="0" i="0" dirty="0">
-              <a:solidFill>
-                <a:schemeClr val="accent1">
-                  <a:lumMod val="50000"/>
-                </a:schemeClr>
-              </a:solidFill>
               <a:effectLst/>
               <a:latin typeface="+mn-lt"/>
             </a:endParaRPr>
@@ -29200,11 +29088,6 @@
             </a:pPr>
             <a:r>
               <a:rPr lang="ru-RU" b="1" i="0" dirty="0">
-                <a:solidFill>
-                  <a:schemeClr val="accent1">
-                    <a:lumMod val="50000"/>
-                  </a:schemeClr>
-                </a:solidFill>
                 <a:effectLst/>
                 <a:latin typeface="+mn-lt"/>
               </a:rPr>
@@ -29212,21 +29095,11 @@
             </a:r>
             <a:r>
               <a:rPr lang="ru-RU" b="1" dirty="0">
-                <a:solidFill>
-                  <a:schemeClr val="accent1">
-                    <a:lumMod val="50000"/>
-                  </a:schemeClr>
-                </a:solidFill>
                 <a:latin typeface="+mn-lt"/>
               </a:rPr>
               <a:t>.</a:t>
             </a:r>
             <a:endParaRPr lang="ru-RU" b="0" i="0" dirty="0">
-              <a:solidFill>
-                <a:schemeClr val="accent1">
-                  <a:lumMod val="50000"/>
-                </a:schemeClr>
-              </a:solidFill>
               <a:effectLst/>
               <a:latin typeface="+mn-lt"/>
             </a:endParaRPr>
@@ -29263,11 +29136,6 @@
           <a:p>
             <a:r>
               <a:rPr lang="ru-RU" sz="1400" b="1" dirty="0">
-                <a:solidFill>
-                  <a:schemeClr val="accent1">
-                    <a:lumMod val="50000"/>
-                  </a:schemeClr>
-                </a:solidFill>
                 <a:effectLst/>
                 <a:latin typeface="+mn-lt"/>
                 <a:ea typeface="Calibri Light" panose="020F0302020204030204" pitchFamily="34" charset="0"/>
@@ -29275,11 +29143,6 @@
               <a:t>Пример вывода тестов.</a:t>
             </a:r>
             <a:endParaRPr lang="ru-RU" sz="1400" b="1" dirty="0">
-              <a:solidFill>
-                <a:schemeClr val="accent1">
-                  <a:lumMod val="50000"/>
-                </a:schemeClr>
-              </a:solidFill>
               <a:effectLst/>
               <a:latin typeface="+mn-lt"/>
               <a:ea typeface="Times New Roman" panose="02020603050405020304" pitchFamily="18" charset="0"/>
@@ -29288,11 +29151,6 @@
           <a:p>
             <a:r>
               <a:rPr lang="ru-RU" sz="1400" b="1" dirty="0">
-                <a:solidFill>
-                  <a:schemeClr val="accent1">
-                    <a:lumMod val="50000"/>
-                  </a:schemeClr>
-                </a:solidFill>
                 <a:effectLst/>
                 <a:latin typeface="+mn-lt"/>
                 <a:ea typeface="Times New Roman" panose="02020603050405020304" pitchFamily="18" charset="0"/>
@@ -29323,11 +29181,6 @@
             </a:pPr>
             <a:r>
               <a:rPr lang="en-US" sz="1400" i="1" dirty="0">
-                <a:solidFill>
-                  <a:schemeClr val="accent1">
-                    <a:lumMod val="50000"/>
-                  </a:schemeClr>
-                </a:solidFill>
                 <a:latin typeface="+mn-lt"/>
                 <a:ea typeface="Times New Roman" panose="02020603050405020304" pitchFamily="18" charset="0"/>
               </a:rPr>
@@ -29335,11 +29188,6 @@
             </a:r>
             <a:r>
               <a:rPr lang="en-US" sz="1400" i="1" dirty="0">
-                <a:solidFill>
-                  <a:schemeClr val="accent1">
-                    <a:lumMod val="50000"/>
-                  </a:schemeClr>
-                </a:solidFill>
                 <a:effectLst/>
                 <a:latin typeface="+mn-lt"/>
                 <a:ea typeface="Times New Roman" panose="02020603050405020304" pitchFamily="18" charset="0"/>
@@ -29348,11 +29196,6 @@
             </a:r>
             <a:r>
               <a:rPr lang="en-US" sz="1400" dirty="0">
-                <a:solidFill>
-                  <a:schemeClr val="accent1">
-                    <a:lumMod val="50000"/>
-                  </a:schemeClr>
-                </a:solidFill>
                 <a:effectLst/>
                 <a:latin typeface="+mn-lt"/>
                 <a:ea typeface="Times New Roman" panose="02020603050405020304" pitchFamily="18" charset="0"/>
@@ -29361,11 +29204,6 @@
             </a:r>
             <a:r>
               <a:rPr lang="en-US" sz="1400" i="1" dirty="0">
-                <a:solidFill>
-                  <a:schemeClr val="accent1">
-                    <a:lumMod val="50000"/>
-                  </a:schemeClr>
-                </a:solidFill>
                 <a:effectLst/>
                 <a:latin typeface="+mn-lt"/>
                 <a:ea typeface="Times New Roman" panose="02020603050405020304" pitchFamily="18" charset="0"/>
@@ -29374,11 +29212,6 @@
             </a:r>
             <a:r>
               <a:rPr lang="en-US" sz="1400" dirty="0">
-                <a:solidFill>
-                  <a:schemeClr val="accent1">
-                    <a:lumMod val="50000"/>
-                  </a:schemeClr>
-                </a:solidFill>
                 <a:effectLst/>
                 <a:latin typeface="+mn-lt"/>
                 <a:ea typeface="Times New Roman" panose="02020603050405020304" pitchFamily="18" charset="0"/>
@@ -29387,11 +29220,6 @@
             </a:r>
             <a:r>
               <a:rPr lang="en-US" sz="1400" i="1" dirty="0">
-                <a:solidFill>
-                  <a:schemeClr val="accent1">
-                    <a:lumMod val="50000"/>
-                  </a:schemeClr>
-                </a:solidFill>
                 <a:effectLst/>
                 <a:latin typeface="+mn-lt"/>
                 <a:ea typeface="Times New Roman" panose="02020603050405020304" pitchFamily="18" charset="0"/>
@@ -29400,11 +29228,6 @@
             </a:r>
             <a:r>
               <a:rPr lang="en-US" sz="1400" i="1" dirty="0" err="1">
-                <a:solidFill>
-                  <a:schemeClr val="accent1">
-                    <a:lumMod val="50000"/>
-                  </a:schemeClr>
-                </a:solidFill>
                 <a:effectLst/>
                 <a:latin typeface="+mn-lt"/>
                 <a:ea typeface="Times New Roman" panose="02020603050405020304" pitchFamily="18" charset="0"/>
@@ -29413,11 +29236,6 @@
             </a:r>
             <a:r>
               <a:rPr lang="en-US" sz="1400" dirty="0">
-                <a:solidFill>
-                  <a:schemeClr val="accent1">
-                    <a:lumMod val="50000"/>
-                  </a:schemeClr>
-                </a:solidFill>
                 <a:effectLst/>
                 <a:latin typeface="+mn-lt"/>
                 <a:ea typeface="Times New Roman" panose="02020603050405020304" pitchFamily="18" charset="0"/>
@@ -29426,11 +29244,6 @@
             </a:r>
             <a:r>
               <a:rPr lang="en-US" sz="1400" i="1" dirty="0">
-                <a:solidFill>
-                  <a:schemeClr val="accent1">
-                    <a:lumMod val="50000"/>
-                  </a:schemeClr>
-                </a:solidFill>
                 <a:effectLst/>
                 <a:latin typeface="+mn-lt"/>
                 <a:ea typeface="Times New Roman" panose="02020603050405020304" pitchFamily="18" charset="0"/>
@@ -29438,11 +29251,6 @@
               <a:t>OK</a:t>
             </a:r>
             <a:endParaRPr lang="ru-RU" sz="1400" dirty="0">
-              <a:solidFill>
-                <a:schemeClr val="accent1">
-                  <a:lumMod val="50000"/>
-                </a:schemeClr>
-              </a:solidFill>
               <a:effectLst/>
               <a:latin typeface="+mn-lt"/>
               <a:ea typeface="Times New Roman" panose="02020603050405020304" pitchFamily="18" charset="0"/>
@@ -29471,11 +29279,6 @@
             </a:pPr>
             <a:r>
               <a:rPr lang="en-US" sz="1400" i="1" dirty="0">
-                <a:solidFill>
-                  <a:schemeClr val="accent1">
-                    <a:lumMod val="50000"/>
-                  </a:schemeClr>
-                </a:solidFill>
                 <a:effectLst/>
                 <a:latin typeface="+mn-lt"/>
                 <a:ea typeface="Times New Roman" panose="02020603050405020304" pitchFamily="18" charset="0"/>
@@ -29484,11 +29287,6 @@
             </a:r>
             <a:r>
               <a:rPr lang="en-US" sz="1400" dirty="0">
-                <a:solidFill>
-                  <a:schemeClr val="accent1">
-                    <a:lumMod val="50000"/>
-                  </a:schemeClr>
-                </a:solidFill>
                 <a:effectLst/>
                 <a:latin typeface="+mn-lt"/>
                 <a:ea typeface="Times New Roman" panose="02020603050405020304" pitchFamily="18" charset="0"/>
@@ -29497,11 +29295,6 @@
             </a:r>
             <a:r>
               <a:rPr lang="en-US" sz="1400" i="1" dirty="0">
-                <a:solidFill>
-                  <a:schemeClr val="accent1">
-                    <a:lumMod val="50000"/>
-                  </a:schemeClr>
-                </a:solidFill>
                 <a:effectLst/>
                 <a:latin typeface="+mn-lt"/>
                 <a:ea typeface="Times New Roman" panose="02020603050405020304" pitchFamily="18" charset="0"/>
@@ -29510,11 +29303,6 @@
             </a:r>
             <a:r>
               <a:rPr lang="en-US" sz="1400" dirty="0">
-                <a:solidFill>
-                  <a:schemeClr val="accent1">
-                    <a:lumMod val="50000"/>
-                  </a:schemeClr>
-                </a:solidFill>
                 <a:effectLst/>
                 <a:latin typeface="+mn-lt"/>
                 <a:ea typeface="Times New Roman" panose="02020603050405020304" pitchFamily="18" charset="0"/>
@@ -29523,11 +29311,6 @@
             </a:r>
             <a:r>
               <a:rPr lang="en-US" sz="1400" i="1" dirty="0">
-                <a:solidFill>
-                  <a:schemeClr val="accent1">
-                    <a:lumMod val="50000"/>
-                  </a:schemeClr>
-                </a:solidFill>
                 <a:effectLst/>
                 <a:latin typeface="+mn-lt"/>
                 <a:ea typeface="Times New Roman" panose="02020603050405020304" pitchFamily="18" charset="0"/>
@@ -29536,11 +29319,6 @@
             </a:r>
             <a:r>
               <a:rPr lang="en-US" sz="1400" i="1" dirty="0" err="1">
-                <a:solidFill>
-                  <a:schemeClr val="accent1">
-                    <a:lumMod val="50000"/>
-                  </a:schemeClr>
-                </a:solidFill>
                 <a:effectLst/>
                 <a:latin typeface="+mn-lt"/>
                 <a:ea typeface="Times New Roman" panose="02020603050405020304" pitchFamily="18" charset="0"/>
@@ -29549,11 +29327,6 @@
             </a:r>
             <a:r>
               <a:rPr lang="en-US" sz="1400" dirty="0">
-                <a:solidFill>
-                  <a:schemeClr val="accent1">
-                    <a:lumMod val="50000"/>
-                  </a:schemeClr>
-                </a:solidFill>
                 <a:effectLst/>
                 <a:latin typeface="+mn-lt"/>
                 <a:ea typeface="Times New Roman" panose="02020603050405020304" pitchFamily="18" charset="0"/>
@@ -29562,11 +29335,6 @@
             </a:r>
             <a:r>
               <a:rPr lang="en-US" sz="1400" i="1" dirty="0">
-                <a:solidFill>
-                  <a:schemeClr val="accent1">
-                    <a:lumMod val="50000"/>
-                  </a:schemeClr>
-                </a:solidFill>
                 <a:effectLst/>
                 <a:latin typeface="+mn-lt"/>
                 <a:ea typeface="Times New Roman" panose="02020603050405020304" pitchFamily="18" charset="0"/>
@@ -29574,11 +29342,6 @@
               <a:t>OK</a:t>
             </a:r>
             <a:endParaRPr lang="ru-RU" sz="1400" dirty="0">
-              <a:solidFill>
-                <a:schemeClr val="accent1">
-                  <a:lumMod val="50000"/>
-                </a:schemeClr>
-              </a:solidFill>
               <a:effectLst/>
               <a:latin typeface="+mn-lt"/>
               <a:ea typeface="Times New Roman" panose="02020603050405020304" pitchFamily="18" charset="0"/>
@@ -29607,11 +29370,6 @@
             </a:pPr>
             <a:r>
               <a:rPr lang="en-US" sz="1400" i="1" dirty="0">
-                <a:solidFill>
-                  <a:schemeClr val="accent1">
-                    <a:lumMod val="50000"/>
-                  </a:schemeClr>
-                </a:solidFill>
                 <a:effectLst/>
                 <a:latin typeface="+mn-lt"/>
                 <a:ea typeface="Times New Roman" panose="02020603050405020304" pitchFamily="18" charset="0"/>
@@ -29620,11 +29378,6 @@
             </a:r>
             <a:r>
               <a:rPr lang="en-US" sz="1400" dirty="0">
-                <a:solidFill>
-                  <a:schemeClr val="accent1">
-                    <a:lumMod val="50000"/>
-                  </a:schemeClr>
-                </a:solidFill>
                 <a:effectLst/>
                 <a:latin typeface="+mn-lt"/>
                 <a:ea typeface="Times New Roman" panose="02020603050405020304" pitchFamily="18" charset="0"/>
@@ -29633,11 +29386,6 @@
             </a:r>
             <a:r>
               <a:rPr lang="en-US" sz="1400" i="1" dirty="0">
-                <a:solidFill>
-                  <a:schemeClr val="accent1">
-                    <a:lumMod val="50000"/>
-                  </a:schemeClr>
-                </a:solidFill>
                 <a:effectLst/>
                 <a:latin typeface="+mn-lt"/>
                 <a:ea typeface="Times New Roman" panose="02020603050405020304" pitchFamily="18" charset="0"/>
@@ -29646,11 +29394,6 @@
             </a:r>
             <a:r>
               <a:rPr lang="en-US" sz="1400" dirty="0">
-                <a:solidFill>
-                  <a:schemeClr val="accent1">
-                    <a:lumMod val="50000"/>
-                  </a:schemeClr>
-                </a:solidFill>
                 <a:effectLst/>
                 <a:latin typeface="+mn-lt"/>
                 <a:ea typeface="Times New Roman" panose="02020603050405020304" pitchFamily="18" charset="0"/>
@@ -29659,11 +29402,6 @@
             </a:r>
             <a:r>
               <a:rPr lang="en-US" sz="1400" i="1" dirty="0">
-                <a:solidFill>
-                  <a:schemeClr val="accent1">
-                    <a:lumMod val="50000"/>
-                  </a:schemeClr>
-                </a:solidFill>
                 <a:effectLst/>
                 <a:latin typeface="+mn-lt"/>
                 <a:ea typeface="Times New Roman" panose="02020603050405020304" pitchFamily="18" charset="0"/>
@@ -29672,11 +29410,6 @@
             </a:r>
             <a:r>
               <a:rPr lang="en-US" sz="1400" i="1" dirty="0" err="1">
-                <a:solidFill>
-                  <a:schemeClr val="accent1">
-                    <a:lumMod val="50000"/>
-                  </a:schemeClr>
-                </a:solidFill>
                 <a:effectLst/>
                 <a:latin typeface="+mn-lt"/>
                 <a:ea typeface="Times New Roman" panose="02020603050405020304" pitchFamily="18" charset="0"/>
@@ -29685,11 +29418,6 @@
             </a:r>
             <a:r>
               <a:rPr lang="en-US" sz="1400" dirty="0">
-                <a:solidFill>
-                  <a:schemeClr val="accent1">
-                    <a:lumMod val="50000"/>
-                  </a:schemeClr>
-                </a:solidFill>
                 <a:effectLst/>
                 <a:latin typeface="+mn-lt"/>
                 <a:ea typeface="Times New Roman" panose="02020603050405020304" pitchFamily="18" charset="0"/>
@@ -29698,11 +29426,6 @@
             </a:r>
             <a:r>
               <a:rPr lang="en-US" sz="1400" i="1" dirty="0">
-                <a:solidFill>
-                  <a:schemeClr val="accent1">
-                    <a:lumMod val="50000"/>
-                  </a:schemeClr>
-                </a:solidFill>
                 <a:effectLst/>
                 <a:latin typeface="+mn-lt"/>
                 <a:ea typeface="Times New Roman" panose="02020603050405020304" pitchFamily="18" charset="0"/>
@@ -29710,11 +29433,6 @@
               <a:t>OK</a:t>
             </a:r>
             <a:endParaRPr lang="ru-RU" sz="1400" dirty="0">
-              <a:solidFill>
-                <a:schemeClr val="accent1">
-                  <a:lumMod val="50000"/>
-                </a:schemeClr>
-              </a:solidFill>
               <a:effectLst/>
               <a:latin typeface="+mn-lt"/>
               <a:ea typeface="Times New Roman" panose="02020603050405020304" pitchFamily="18" charset="0"/>
@@ -29743,11 +29461,6 @@
             </a:pPr>
             <a:r>
               <a:rPr lang="en-US" sz="1400" i="1" dirty="0">
-                <a:solidFill>
-                  <a:schemeClr val="accent1">
-                    <a:lumMod val="50000"/>
-                  </a:schemeClr>
-                </a:solidFill>
                 <a:effectLst/>
                 <a:latin typeface="+mn-lt"/>
                 <a:ea typeface="Times New Roman" panose="02020603050405020304" pitchFamily="18" charset="0"/>
@@ -29756,11 +29469,6 @@
             </a:r>
             <a:r>
               <a:rPr lang="en-US" sz="1400" dirty="0">
-                <a:solidFill>
-                  <a:schemeClr val="accent1">
-                    <a:lumMod val="50000"/>
-                  </a:schemeClr>
-                </a:solidFill>
                 <a:effectLst/>
                 <a:latin typeface="+mn-lt"/>
                 <a:ea typeface="Times New Roman" panose="02020603050405020304" pitchFamily="18" charset="0"/>
@@ -29769,11 +29477,6 @@
             </a:r>
             <a:r>
               <a:rPr lang="en-US" sz="1400" i="1" dirty="0">
-                <a:solidFill>
-                  <a:schemeClr val="accent1">
-                    <a:lumMod val="50000"/>
-                  </a:schemeClr>
-                </a:solidFill>
                 <a:effectLst/>
                 <a:latin typeface="+mn-lt"/>
                 <a:ea typeface="Times New Roman" panose="02020603050405020304" pitchFamily="18" charset="0"/>
@@ -29782,11 +29485,6 @@
             </a:r>
             <a:r>
               <a:rPr lang="en-US" sz="1400" dirty="0">
-                <a:solidFill>
-                  <a:schemeClr val="accent1">
-                    <a:lumMod val="50000"/>
-                  </a:schemeClr>
-                </a:solidFill>
                 <a:effectLst/>
                 <a:latin typeface="+mn-lt"/>
                 <a:ea typeface="Times New Roman" panose="02020603050405020304" pitchFamily="18" charset="0"/>
@@ -29795,11 +29493,6 @@
             </a:r>
             <a:r>
               <a:rPr lang="en-US" sz="1400" i="1" dirty="0">
-                <a:solidFill>
-                  <a:schemeClr val="accent1">
-                    <a:lumMod val="50000"/>
-                  </a:schemeClr>
-                </a:solidFill>
                 <a:effectLst/>
                 <a:latin typeface="+mn-lt"/>
                 <a:ea typeface="Times New Roman" panose="02020603050405020304" pitchFamily="18" charset="0"/>
@@ -29808,11 +29501,6 @@
             </a:r>
             <a:r>
               <a:rPr lang="en-US" sz="1400" i="1" dirty="0" err="1">
-                <a:solidFill>
-                  <a:schemeClr val="accent1">
-                    <a:lumMod val="50000"/>
-                  </a:schemeClr>
-                </a:solidFill>
                 <a:effectLst/>
                 <a:latin typeface="+mn-lt"/>
                 <a:ea typeface="Times New Roman" panose="02020603050405020304" pitchFamily="18" charset="0"/>
@@ -29821,11 +29509,6 @@
             </a:r>
             <a:r>
               <a:rPr lang="en-US" sz="1400" dirty="0">
-                <a:solidFill>
-                  <a:schemeClr val="accent1">
-                    <a:lumMod val="50000"/>
-                  </a:schemeClr>
-                </a:solidFill>
                 <a:effectLst/>
                 <a:latin typeface="+mn-lt"/>
                 <a:ea typeface="Times New Roman" panose="02020603050405020304" pitchFamily="18" charset="0"/>
@@ -29834,11 +29517,6 @@
             </a:r>
             <a:r>
               <a:rPr lang="en-US" sz="1400" i="1" dirty="0">
-                <a:solidFill>
-                  <a:schemeClr val="accent1">
-                    <a:lumMod val="50000"/>
-                  </a:schemeClr>
-                </a:solidFill>
                 <a:effectLst/>
                 <a:latin typeface="+mn-lt"/>
                 <a:ea typeface="Times New Roman" panose="02020603050405020304" pitchFamily="18" charset="0"/>
@@ -29846,11 +29524,6 @@
               <a:t>OK</a:t>
             </a:r>
             <a:endParaRPr lang="ru-RU" sz="1400" dirty="0">
-              <a:solidFill>
-                <a:schemeClr val="accent1">
-                  <a:lumMod val="50000"/>
-                </a:schemeClr>
-              </a:solidFill>
               <a:effectLst/>
               <a:latin typeface="+mn-lt"/>
               <a:ea typeface="Times New Roman" panose="02020603050405020304" pitchFamily="18" charset="0"/>
@@ -29879,11 +29552,6 @@
             </a:pPr>
             <a:r>
               <a:rPr lang="en-US" sz="1400" i="1" dirty="0">
-                <a:solidFill>
-                  <a:schemeClr val="accent1">
-                    <a:lumMod val="50000"/>
-                  </a:schemeClr>
-                </a:solidFill>
                 <a:effectLst/>
                 <a:latin typeface="+mn-lt"/>
                 <a:ea typeface="Times New Roman" panose="02020603050405020304" pitchFamily="18" charset="0"/>
@@ -29892,11 +29560,6 @@
             </a:r>
             <a:r>
               <a:rPr lang="en-US" sz="1400" dirty="0">
-                <a:solidFill>
-                  <a:schemeClr val="accent1">
-                    <a:lumMod val="50000"/>
-                  </a:schemeClr>
-                </a:solidFill>
                 <a:effectLst/>
                 <a:latin typeface="+mn-lt"/>
                 <a:ea typeface="Times New Roman" panose="02020603050405020304" pitchFamily="18" charset="0"/>
@@ -29905,11 +29568,6 @@
             </a:r>
             <a:r>
               <a:rPr lang="en-US" sz="1400" i="1" dirty="0">
-                <a:solidFill>
-                  <a:schemeClr val="accent1">
-                    <a:lumMod val="50000"/>
-                  </a:schemeClr>
-                </a:solidFill>
                 <a:effectLst/>
                 <a:latin typeface="+mn-lt"/>
                 <a:ea typeface="Times New Roman" panose="02020603050405020304" pitchFamily="18" charset="0"/>
@@ -29918,11 +29576,6 @@
             </a:r>
             <a:r>
               <a:rPr lang="en-US" sz="1400" dirty="0">
-                <a:solidFill>
-                  <a:schemeClr val="accent1">
-                    <a:lumMod val="50000"/>
-                  </a:schemeClr>
-                </a:solidFill>
                 <a:effectLst/>
                 <a:latin typeface="+mn-lt"/>
                 <a:ea typeface="Times New Roman" panose="02020603050405020304" pitchFamily="18" charset="0"/>
@@ -29931,11 +29584,6 @@
             </a:r>
             <a:r>
               <a:rPr lang="en-US" sz="1400" i="1" dirty="0">
-                <a:solidFill>
-                  <a:schemeClr val="accent1">
-                    <a:lumMod val="50000"/>
-                  </a:schemeClr>
-                </a:solidFill>
                 <a:effectLst/>
                 <a:latin typeface="+mn-lt"/>
                 <a:ea typeface="Times New Roman" panose="02020603050405020304" pitchFamily="18" charset="0"/>
@@ -29944,11 +29592,6 @@
             </a:r>
             <a:r>
               <a:rPr lang="en-US" sz="1400" dirty="0">
-                <a:solidFill>
-                  <a:schemeClr val="accent1">
-                    <a:lumMod val="50000"/>
-                  </a:schemeClr>
-                </a:solidFill>
                 <a:effectLst/>
                 <a:latin typeface="+mn-lt"/>
                 <a:ea typeface="Times New Roman" panose="02020603050405020304" pitchFamily="18" charset="0"/>
@@ -29957,11 +29600,6 @@
             </a:r>
             <a:r>
               <a:rPr lang="en-US" sz="1400" i="1" dirty="0">
-                <a:solidFill>
-                  <a:schemeClr val="accent1">
-                    <a:lumMod val="50000"/>
-                  </a:schemeClr>
-                </a:solidFill>
                 <a:effectLst/>
                 <a:latin typeface="+mn-lt"/>
                 <a:ea typeface="Times New Roman" panose="02020603050405020304" pitchFamily="18" charset="0"/>
@@ -29969,11 +29607,6 @@
               <a:t>s</a:t>
             </a:r>
             <a:endParaRPr lang="ru-RU" sz="1400" dirty="0">
-              <a:solidFill>
-                <a:schemeClr val="accent1">
-                  <a:lumMod val="50000"/>
-                </a:schemeClr>
-              </a:solidFill>
               <a:effectLst/>
               <a:latin typeface="+mn-lt"/>
               <a:ea typeface="Times New Roman" panose="02020603050405020304" pitchFamily="18" charset="0"/>
@@ -30002,11 +29635,6 @@
             </a:pPr>
             <a:r>
               <a:rPr lang="en-US" sz="1400" i="1" dirty="0">
-                <a:solidFill>
-                  <a:schemeClr val="accent1">
-                    <a:lumMod val="50000"/>
-                  </a:schemeClr>
-                </a:solidFill>
                 <a:effectLst/>
                 <a:latin typeface="+mn-lt"/>
                 <a:ea typeface="Times New Roman" panose="02020603050405020304" pitchFamily="18" charset="0"/>
@@ -30014,11 +29642,6 @@
               <a:t>OK}</a:t>
             </a:r>
             <a:endParaRPr lang="ru-RU" sz="1400" dirty="0">
-              <a:solidFill>
-                <a:schemeClr val="accent1">
-                  <a:lumMod val="50000"/>
-                </a:schemeClr>
-              </a:solidFill>
               <a:effectLst/>
               <a:latin typeface="+mn-lt"/>
               <a:ea typeface="Times New Roman" panose="02020603050405020304" pitchFamily="18" charset="0"/>
@@ -30027,11 +29650,6 @@
           <a:p>
             <a:r>
               <a:rPr lang="ru-RU" sz="1400" b="1" dirty="0">
-                <a:solidFill>
-                  <a:schemeClr val="accent1">
-                    <a:lumMod val="50000"/>
-                  </a:schemeClr>
-                </a:solidFill>
                 <a:effectLst/>
                 <a:latin typeface="+mn-lt"/>
                 <a:ea typeface="Times New Roman" panose="02020603050405020304" pitchFamily="18" charset="0"/>
@@ -30040,11 +29658,6 @@
             </a:r>
             <a:r>
               <a:rPr lang="en-US" sz="1400" b="1" dirty="0">
-                <a:solidFill>
-                  <a:schemeClr val="accent1">
-                    <a:lumMod val="50000"/>
-                  </a:schemeClr>
-                </a:solidFill>
                 <a:effectLst/>
                 <a:latin typeface="+mn-lt"/>
                 <a:ea typeface="Times New Roman" panose="02020603050405020304" pitchFamily="18" charset="0"/>
@@ -30052,11 +29665,6 @@
               <a:t>:</a:t>
             </a:r>
             <a:endParaRPr lang="en-US" sz="1400" b="1" dirty="0">
-              <a:solidFill>
-                <a:schemeClr val="accent1">
-                  <a:lumMod val="50000"/>
-                </a:schemeClr>
-              </a:solidFill>
               <a:latin typeface="+mn-lt"/>
               <a:ea typeface="Times New Roman" panose="02020603050405020304" pitchFamily="18" charset="0"/>
             </a:endParaRPr>
@@ -30064,11 +29672,6 @@
           <a:p>
             <a:r>
               <a:rPr lang="en-US" sz="1400" i="1" dirty="0">
-                <a:solidFill>
-                  <a:schemeClr val="accent1">
-                    <a:lumMod val="50000"/>
-                  </a:schemeClr>
-                </a:solidFill>
                 <a:effectLst/>
                 <a:latin typeface="+mn-lt"/>
                 <a:ea typeface="Times New Roman" panose="02020603050405020304" pitchFamily="18" charset="0"/>
@@ -30077,11 +29680,6 @@
             </a:r>
             <a:r>
               <a:rPr lang="en-US" sz="1400" dirty="0">
-                <a:solidFill>
-                  <a:schemeClr val="accent1">
-                    <a:lumMod val="50000"/>
-                  </a:schemeClr>
-                </a:solidFill>
                 <a:effectLst/>
                 <a:latin typeface="+mn-lt"/>
                 <a:ea typeface="Times New Roman" panose="02020603050405020304" pitchFamily="18" charset="0"/>
@@ -30090,11 +29688,6 @@
             </a:r>
             <a:r>
               <a:rPr lang="en-US" sz="1400" i="1" dirty="0">
-                <a:solidFill>
-                  <a:schemeClr val="accent1">
-                    <a:lumMod val="50000"/>
-                  </a:schemeClr>
-                </a:solidFill>
                 <a:effectLst/>
                 <a:latin typeface="+mn-lt"/>
                 <a:ea typeface="Times New Roman" panose="02020603050405020304" pitchFamily="18" charset="0"/>
@@ -30103,11 +29696,6 @@
             </a:r>
             <a:r>
               <a:rPr lang="en-US" sz="1400" dirty="0">
-                <a:solidFill>
-                  <a:schemeClr val="accent1">
-                    <a:lumMod val="50000"/>
-                  </a:schemeClr>
-                </a:solidFill>
                 <a:effectLst/>
                 <a:latin typeface="+mn-lt"/>
                 <a:ea typeface="Times New Roman" panose="02020603050405020304" pitchFamily="18" charset="0"/>
@@ -30116,11 +29704,6 @@
             </a:r>
             <a:r>
               <a:rPr lang="en-US" sz="1400" i="1" dirty="0">
-                <a:solidFill>
-                  <a:schemeClr val="accent1">
-                    <a:lumMod val="50000"/>
-                  </a:schemeClr>
-                </a:solidFill>
                 <a:effectLst/>
                 <a:latin typeface="+mn-lt"/>
                 <a:ea typeface="Times New Roman" panose="02020603050405020304" pitchFamily="18" charset="0"/>
@@ -30129,11 +29712,6 @@
             </a:r>
             <a:r>
               <a:rPr lang="en-US" sz="1400" i="1" dirty="0" err="1">
-                <a:solidFill>
-                  <a:schemeClr val="accent1">
-                    <a:lumMod val="50000"/>
-                  </a:schemeClr>
-                </a:solidFill>
                 <a:effectLst/>
                 <a:latin typeface="+mn-lt"/>
                 <a:ea typeface="Times New Roman" panose="02020603050405020304" pitchFamily="18" charset="0"/>
@@ -30142,11 +29720,6 @@
             </a:r>
             <a:r>
               <a:rPr lang="en-US" sz="1400" dirty="0">
-                <a:solidFill>
-                  <a:schemeClr val="accent1">
-                    <a:lumMod val="50000"/>
-                  </a:schemeClr>
-                </a:solidFill>
                 <a:effectLst/>
                 <a:latin typeface="+mn-lt"/>
                 <a:ea typeface="Times New Roman" panose="02020603050405020304" pitchFamily="18" charset="0"/>
@@ -30155,11 +29728,6 @@
             </a:r>
             <a:r>
               <a:rPr lang="ru-RU" sz="1400" i="1" dirty="0">
-                <a:solidFill>
-                  <a:schemeClr val="accent1">
-                    <a:lumMod val="50000"/>
-                  </a:schemeClr>
-                </a:solidFill>
                 <a:effectLst/>
                 <a:latin typeface="+mn-lt"/>
                 <a:ea typeface="Times New Roman" panose="02020603050405020304" pitchFamily="18" charset="0"/>
@@ -30167,11 +29735,6 @@
               <a:t>FAIL</a:t>
             </a:r>
             <a:endParaRPr lang="ru-RU" sz="1400" dirty="0">
-              <a:solidFill>
-                <a:schemeClr val="accent1">
-                  <a:lumMod val="50000"/>
-                </a:schemeClr>
-              </a:solidFill>
               <a:effectLst/>
               <a:latin typeface="+mn-lt"/>
               <a:ea typeface="Times New Roman" panose="02020603050405020304" pitchFamily="18" charset="0"/>
@@ -30200,11 +29763,6 @@
             </a:pPr>
             <a:r>
               <a:rPr lang="ru-RU" sz="1400" i="1" dirty="0" err="1">
-                <a:solidFill>
-                  <a:schemeClr val="accent1">
-                    <a:lumMod val="50000"/>
-                  </a:schemeClr>
-                </a:solidFill>
                 <a:effectLst/>
                 <a:latin typeface="+mn-lt"/>
                 <a:ea typeface="Times New Roman" panose="02020603050405020304" pitchFamily="18" charset="0"/>
@@ -30213,11 +29771,6 @@
             </a:r>
             <a:r>
               <a:rPr lang="ru-RU" sz="1400" dirty="0">
-                <a:solidFill>
-                  <a:schemeClr val="accent1">
-                    <a:lumMod val="50000"/>
-                  </a:schemeClr>
-                </a:solidFill>
                 <a:effectLst/>
                 <a:latin typeface="+mn-lt"/>
                 <a:ea typeface="Times New Roman" panose="02020603050405020304" pitchFamily="18" charset="0"/>
@@ -30226,11 +29779,6 @@
             </a:r>
             <a:r>
               <a:rPr lang="en-US" sz="1400" dirty="0">
-                <a:solidFill>
-                  <a:schemeClr val="accent1">
-                    <a:lumMod val="50000"/>
-                  </a:schemeClr>
-                </a:solidFill>
                 <a:effectLst/>
                 <a:latin typeface="+mn-lt"/>
                 <a:ea typeface="Times New Roman" panose="02020603050405020304" pitchFamily="18" charset="0"/>
@@ -30238,11 +29786,6 @@
               <a:t>}</a:t>
             </a:r>
             <a:endParaRPr lang="ru-RU" sz="1400" dirty="0">
-              <a:solidFill>
-                <a:schemeClr val="accent1">
-                  <a:lumMod val="50000"/>
-                </a:schemeClr>
-              </a:solidFill>
               <a:effectLst/>
               <a:latin typeface="+mn-lt"/>
               <a:ea typeface="Times New Roman" panose="02020603050405020304" pitchFamily="18" charset="0"/>
@@ -30271,11 +29814,6 @@
             </a:pPr>
             <a:r>
               <a:rPr lang="ru-RU" dirty="0">
-                <a:solidFill>
-                  <a:schemeClr val="accent1">
-                    <a:lumMod val="50000"/>
-                  </a:schemeClr>
-                </a:solidFill>
                 <a:latin typeface="+mn-lt"/>
                 <a:ea typeface="Calibri Light" panose="020F0302020204030204" pitchFamily="34" charset="0"/>
               </a:rPr>
@@ -30283,11 +29821,6 @@
             </a:r>
             <a:r>
               <a:rPr lang="ru-RU" b="1" dirty="0" err="1">
-                <a:solidFill>
-                  <a:schemeClr val="accent1">
-                    <a:lumMod val="50000"/>
-                  </a:schemeClr>
-                </a:solidFill>
                 <a:effectLst/>
                 <a:latin typeface="+mn-lt"/>
                 <a:ea typeface="Calibri Light" panose="020F0302020204030204" pitchFamily="34" charset="0"/>
@@ -30296,11 +29829,6 @@
             </a:r>
             <a:r>
               <a:rPr lang="ru-RU" dirty="0">
-                <a:solidFill>
-                  <a:schemeClr val="accent1">
-                    <a:lumMod val="50000"/>
-                  </a:schemeClr>
-                </a:solidFill>
                 <a:effectLst/>
                 <a:latin typeface="+mn-lt"/>
                 <a:ea typeface="Times New Roman" panose="02020603050405020304" pitchFamily="18" charset="0"/>
@@ -30309,11 +29837,6 @@
             </a:r>
             <a:r>
               <a:rPr lang="ru-RU" i="1" dirty="0">
-                <a:solidFill>
-                  <a:schemeClr val="accent1">
-                    <a:lumMod val="50000"/>
-                  </a:schemeClr>
-                </a:solidFill>
                 <a:effectLst/>
                 <a:latin typeface="+mn-lt"/>
                 <a:ea typeface="Calibri Light" panose="020F0302020204030204" pitchFamily="34" charset="0"/>
@@ -30322,11 +29845,6 @@
             </a:r>
             <a:r>
               <a:rPr lang="ru-RU" dirty="0">
-                <a:solidFill>
-                  <a:schemeClr val="accent1">
-                    <a:lumMod val="50000"/>
-                  </a:schemeClr>
-                </a:solidFill>
                 <a:effectLst/>
                 <a:latin typeface="+mn-lt"/>
                 <a:ea typeface="Calibri Light" panose="020F0302020204030204" pitchFamily="34" charset="0"/>
@@ -30335,11 +29853,6 @@
             </a:r>
             <a:r>
               <a:rPr lang="ru-RU" dirty="0">
-                <a:solidFill>
-                  <a:schemeClr val="accent1">
-                    <a:lumMod val="50000"/>
-                  </a:schemeClr>
-                </a:solidFill>
                 <a:effectLst/>
                 <a:latin typeface="+mn-lt"/>
                 <a:ea typeface="Times New Roman" panose="02020603050405020304" pitchFamily="18" charset="0"/>
@@ -30350,11 +29863,6 @@
           <a:p>
             <a:r>
               <a:rPr lang="ru-RU" kern="0" dirty="0">
-                <a:solidFill>
-                  <a:schemeClr val="accent1">
-                    <a:lumMod val="50000"/>
-                  </a:schemeClr>
-                </a:solidFill>
                 <a:effectLst/>
                 <a:latin typeface="+mn-lt"/>
                 <a:ea typeface="Calibri Light" panose="020F0302020204030204" pitchFamily="34" charset="0"/>
@@ -30363,11 +29871,6 @@
             </a:r>
             <a:r>
               <a:rPr lang="ru-RU" kern="0" dirty="0">
-                <a:solidFill>
-                  <a:schemeClr val="accent1">
-                    <a:lumMod val="50000"/>
-                  </a:schemeClr>
-                </a:solidFill>
                 <a:effectLst/>
                 <a:latin typeface="+mn-lt"/>
                 <a:ea typeface="Times New Roman" panose="02020603050405020304" pitchFamily="18" charset="0"/>
@@ -30376,11 +29879,6 @@
             </a:r>
             <a:r>
               <a:rPr lang="ru-RU" kern="0" dirty="0" err="1">
-                <a:solidFill>
-                  <a:schemeClr val="accent1">
-                    <a:lumMod val="50000"/>
-                  </a:schemeClr>
-                </a:solidFill>
                 <a:effectLst/>
                 <a:latin typeface="+mn-lt"/>
                 <a:ea typeface="Calibri Light" panose="020F0302020204030204" pitchFamily="34" charset="0"/>
@@ -30389,11 +29887,6 @@
             </a:r>
             <a:r>
               <a:rPr lang="ru-RU" kern="0" dirty="0">
-                <a:solidFill>
-                  <a:schemeClr val="accent1">
-                    <a:lumMod val="50000"/>
-                  </a:schemeClr>
-                </a:solidFill>
                 <a:effectLst/>
                 <a:latin typeface="+mn-lt"/>
                 <a:ea typeface="Calibri Light" panose="020F0302020204030204" pitchFamily="34" charset="0"/>
@@ -30404,55 +29897,30 @@
           <a:p>
             <a:r>
               <a:rPr lang="ru-RU" dirty="0">
-                <a:solidFill>
-                  <a:schemeClr val="accent1">
-                    <a:lumMod val="50000"/>
-                  </a:schemeClr>
-                </a:solidFill>
                 <a:latin typeface="+mn-lt"/>
               </a:rPr>
               <a:t>2. </a:t>
             </a:r>
             <a:r>
               <a:rPr lang="ru-RU" b="1" dirty="0">
-                <a:solidFill>
-                  <a:schemeClr val="accent1">
-                    <a:lumMod val="50000"/>
-                  </a:schemeClr>
-                </a:solidFill>
                 <a:latin typeface="+mn-lt"/>
               </a:rPr>
               <a:t>Ручные тесты </a:t>
             </a:r>
             <a:r>
               <a:rPr lang="ru-RU" dirty="0">
-                <a:solidFill>
-                  <a:schemeClr val="accent1">
-                    <a:lumMod val="50000"/>
-                  </a:schemeClr>
-                </a:solidFill>
                 <a:latin typeface="+mn-lt"/>
               </a:rPr>
               <a:t>покрывают </a:t>
             </a:r>
             <a:r>
               <a:rPr lang="ru-RU" dirty="0" err="1">
-                <a:solidFill>
-                  <a:schemeClr val="accent1">
-                    <a:lumMod val="50000"/>
-                  </a:schemeClr>
-                </a:solidFill>
                 <a:latin typeface="+mn-lt"/>
               </a:rPr>
               <a:t>парсинг</a:t>
             </a:r>
             <a:r>
               <a:rPr lang="ru-RU" dirty="0">
-                <a:solidFill>
-                  <a:schemeClr val="accent1">
-                    <a:lumMod val="50000"/>
-                  </a:schemeClr>
-                </a:solidFill>
                 <a:latin typeface="+mn-lt"/>
               </a:rPr>
               <a:t> и обработку данных.</a:t>
@@ -31449,22 +30917,12 @@
             <a:pPr algn="l"/>
             <a:r>
               <a:rPr lang="ru-RU" sz="1400" b="1" i="0" dirty="0">
-                <a:solidFill>
-                  <a:schemeClr val="accent1">
-                    <a:lumMod val="50000"/>
-                  </a:schemeClr>
-                </a:solidFill>
                 <a:effectLst/>
                 <a:latin typeface="+mn-lt"/>
               </a:rPr>
               <a:t>1. Затраты на разработку</a:t>
             </a:r>
             <a:endParaRPr lang="ru-RU" sz="1400" b="0" i="0" dirty="0">
-              <a:solidFill>
-                <a:schemeClr val="accent1">
-                  <a:lumMod val="50000"/>
-                </a:schemeClr>
-              </a:solidFill>
               <a:effectLst/>
               <a:latin typeface="+mn-lt"/>
             </a:endParaRPr>
@@ -33814,22 +33272,12 @@
             <a:pPr algn="l"/>
             <a:r>
               <a:rPr lang="ru-RU" sz="1400" b="1" i="0" dirty="0">
-                <a:solidFill>
-                  <a:schemeClr val="accent1">
-                    <a:lumMod val="50000"/>
-                  </a:schemeClr>
-                </a:solidFill>
                 <a:effectLst/>
                 <a:latin typeface="+mn-lt"/>
               </a:rPr>
               <a:t>2. Модель монетизации</a:t>
             </a:r>
             <a:endParaRPr lang="ru-RU" sz="1400" b="0" i="0" dirty="0">
-              <a:solidFill>
-                <a:schemeClr val="accent1">
-                  <a:lumMod val="50000"/>
-                </a:schemeClr>
-              </a:solidFill>
               <a:effectLst/>
               <a:latin typeface="+mn-lt"/>
             </a:endParaRPr>
@@ -33867,22 +33315,12 @@
             <a:pPr algn="l"/>
             <a:r>
               <a:rPr lang="ru-RU" sz="2000" b="1" i="0" dirty="0">
-                <a:solidFill>
-                  <a:schemeClr val="accent1">
-                    <a:lumMod val="50000"/>
-                  </a:schemeClr>
-                </a:solidFill>
                 <a:effectLst/>
                 <a:latin typeface="+mn-lt"/>
               </a:rPr>
               <a:t>Срок окупаемости</a:t>
             </a:r>
             <a:endParaRPr lang="ru-RU" sz="2000" b="0" i="0" dirty="0">
-              <a:solidFill>
-                <a:schemeClr val="accent1">
-                  <a:lumMod val="50000"/>
-                </a:schemeClr>
-              </a:solidFill>
               <a:effectLst/>
               <a:latin typeface="+mn-lt"/>
             </a:endParaRPr>
@@ -33923,11 +33361,6 @@
             </a:pPr>
             <a:r>
               <a:rPr lang="ru-RU" sz="2000" i="0" dirty="0">
-                <a:solidFill>
-                  <a:schemeClr val="accent1">
-                    <a:lumMod val="50000"/>
-                  </a:schemeClr>
-                </a:solidFill>
                 <a:effectLst/>
                 <a:latin typeface="+mn-lt"/>
               </a:rPr>
@@ -33941,11 +33374,6 @@
             </a:pPr>
             <a:r>
               <a:rPr lang="ru-RU" sz="2000" i="0" dirty="0">
-                <a:solidFill>
-                  <a:schemeClr val="accent1">
-                    <a:lumMod val="50000"/>
-                  </a:schemeClr>
-                </a:solidFill>
                 <a:effectLst/>
                 <a:latin typeface="+mn-lt"/>
               </a:rPr>
@@ -33959,11 +33387,6 @@
             </a:pPr>
             <a:r>
               <a:rPr lang="ru-RU" sz="2000" i="0" dirty="0">
-                <a:solidFill>
-                  <a:schemeClr val="accent1">
-                    <a:lumMod val="50000"/>
-                  </a:schemeClr>
-                </a:solidFill>
                 <a:effectLst/>
                 <a:latin typeface="+mn-lt"/>
               </a:rPr>
@@ -34836,11 +34259,6 @@
           <a:p>
             <a:r>
               <a:rPr lang="ru-RU" sz="1600" b="1" i="0" dirty="0">
-                <a:solidFill>
-                  <a:schemeClr val="accent1">
-                    <a:lumMod val="50000"/>
-                  </a:schemeClr>
-                </a:solidFill>
                 <a:effectLst/>
                 <a:latin typeface="+mn-lt"/>
               </a:rPr>
@@ -34848,22 +34266,12 @@
             </a:r>
             <a:r>
               <a:rPr lang="ru-RU" sz="2000" b="1" i="0" dirty="0">
-                <a:solidFill>
-                  <a:schemeClr val="accent1">
-                    <a:lumMod val="50000"/>
-                  </a:schemeClr>
-                </a:solidFill>
                 <a:effectLst/>
                 <a:latin typeface="+mn-lt"/>
               </a:rPr>
               <a:t>Законодательная база:</a:t>
             </a:r>
             <a:endParaRPr lang="ru-RU" sz="2000" b="0" i="0" dirty="0">
-              <a:solidFill>
-                <a:schemeClr val="accent1">
-                  <a:lumMod val="50000"/>
-                </a:schemeClr>
-              </a:solidFill>
               <a:effectLst/>
               <a:latin typeface="+mn-lt"/>
             </a:endParaRPr>
@@ -34875,11 +34283,6 @@
             </a:pPr>
             <a:r>
               <a:rPr lang="ru-RU" sz="2000" i="1" dirty="0">
-                <a:solidFill>
-                  <a:schemeClr val="accent1">
-                    <a:lumMod val="50000"/>
-                  </a:schemeClr>
-                </a:solidFill>
                 <a:effectLst/>
                 <a:latin typeface="+mn-lt"/>
               </a:rPr>
@@ -34887,11 +34290,6 @@
             </a:r>
             <a:r>
               <a:rPr lang="ru-RU" sz="2000" b="1" i="1" dirty="0">
-                <a:solidFill>
-                  <a:schemeClr val="accent1">
-                    <a:lumMod val="50000"/>
-                  </a:schemeClr>
-                </a:solidFill>
                 <a:effectLst/>
                 <a:latin typeface="+mn-lt"/>
               </a:rPr>
@@ -34899,11 +34297,6 @@
             </a:r>
             <a:r>
               <a:rPr lang="ru-RU" sz="2000" i="1" dirty="0">
-                <a:solidFill>
-                  <a:schemeClr val="accent1">
-                    <a:lumMod val="50000"/>
-                  </a:schemeClr>
-                </a:solidFill>
                 <a:effectLst/>
                 <a:latin typeface="+mn-lt"/>
               </a:rPr>
@@ -34917,11 +34310,6 @@
             </a:pPr>
             <a:r>
               <a:rPr lang="ru-RU" sz="2000" i="1" dirty="0">
-                <a:solidFill>
-                  <a:schemeClr val="accent1">
-                    <a:lumMod val="50000"/>
-                  </a:schemeClr>
-                </a:solidFill>
                 <a:effectLst/>
                 <a:latin typeface="+mn-lt"/>
               </a:rPr>
@@ -34929,11 +34317,6 @@
             </a:r>
             <a:r>
               <a:rPr lang="ru-RU" sz="2000" b="1" i="1" dirty="0">
-                <a:solidFill>
-                  <a:schemeClr val="accent1">
-                    <a:lumMod val="50000"/>
-                  </a:schemeClr>
-                </a:solidFill>
                 <a:effectLst/>
                 <a:latin typeface="+mn-lt"/>
               </a:rPr>
@@ -34941,11 +34324,6 @@
             </a:r>
             <a:r>
               <a:rPr lang="ru-RU" sz="2000" b="1" i="1" dirty="0" err="1">
-                <a:solidFill>
-                  <a:schemeClr val="accent1">
-                    <a:lumMod val="50000"/>
-                  </a:schemeClr>
-                </a:solidFill>
                 <a:effectLst/>
                 <a:latin typeface="+mn-lt"/>
               </a:rPr>
@@ -34953,11 +34331,6 @@
             </a:r>
             <a:r>
               <a:rPr lang="ru-RU" sz="2000" i="1" dirty="0">
-                <a:solidFill>
-                  <a:schemeClr val="accent1">
-                    <a:lumMod val="50000"/>
-                  </a:schemeClr>
-                </a:solidFill>
                 <a:effectLst/>
                 <a:latin typeface="+mn-lt"/>
               </a:rPr>
@@ -34968,11 +34341,6 @@
             <a:pPr marL="0" lvl="1"/>
             <a:r>
               <a:rPr lang="ru-RU" sz="2000" b="1" dirty="0">
-                <a:solidFill>
-                  <a:schemeClr val="accent1">
-                    <a:lumMod val="50000"/>
-                  </a:schemeClr>
-                </a:solidFill>
                 <a:latin typeface="+mn-lt"/>
               </a:rPr>
               <a:t>2. Наше ПО не нарушает закон, так как:</a:t>
@@ -34985,11 +34353,6 @@
             </a:pPr>
             <a:r>
               <a:rPr lang="ru-RU" sz="2000" dirty="0">
-                <a:solidFill>
-                  <a:schemeClr val="accent1">
-                    <a:lumMod val="50000"/>
-                  </a:schemeClr>
-                </a:solidFill>
                 <a:latin typeface="+mn-lt"/>
               </a:rPr>
               <a:t>Собирает только общедоступные данные </a:t>
@@ -35002,11 +34365,6 @@
             </a:pPr>
             <a:r>
               <a:rPr lang="ru-RU" sz="2000" dirty="0">
-                <a:solidFill>
-                  <a:schemeClr val="accent1">
-                    <a:lumMod val="50000"/>
-                  </a:schemeClr>
-                </a:solidFill>
                 <a:latin typeface="+mn-lt"/>
               </a:rPr>
               <a:t>Не требует обхода авторизации или CAPTCHA</a:t>
@@ -35019,11 +34377,6 @@
             </a:pPr>
             <a:r>
               <a:rPr lang="ru-RU" sz="2000" dirty="0">
-                <a:solidFill>
-                  <a:schemeClr val="accent1">
-                    <a:lumMod val="50000"/>
-                  </a:schemeClr>
-                </a:solidFill>
                 <a:latin typeface="+mn-lt"/>
               </a:rPr>
               <a:t>Соблюдает ограничения robots.txt</a:t>
@@ -35033,11 +34386,6 @@
             <a:pPr marL="0" lvl="1"/>
             <a:r>
               <a:rPr lang="ru-RU" sz="2000" b="1" dirty="0">
-                <a:solidFill>
-                  <a:schemeClr val="accent1">
-                    <a:lumMod val="50000"/>
-                  </a:schemeClr>
-                </a:solidFill>
                 <a:latin typeface="+mn-lt"/>
               </a:rPr>
               <a:t>3. Что мы НЕ делаем (чтобы избежать нарушений)</a:t>
@@ -35050,11 +34398,6 @@
             </a:pPr>
             <a:r>
               <a:rPr lang="ru-RU" sz="2000" dirty="0">
-                <a:solidFill>
-                  <a:schemeClr val="accent1">
-                    <a:lumMod val="50000"/>
-                  </a:schemeClr>
-                </a:solidFill>
                 <a:latin typeface="+mn-lt"/>
               </a:rPr>
               <a:t>Не собираем персональные данные </a:t>
@@ -35067,11 +34410,6 @@
             </a:pPr>
             <a:r>
               <a:rPr lang="ru-RU" sz="2000" dirty="0">
-                <a:solidFill>
-                  <a:schemeClr val="accent1">
-                    <a:lumMod val="50000"/>
-                  </a:schemeClr>
-                </a:solidFill>
                 <a:latin typeface="+mn-lt"/>
               </a:rPr>
               <a:t>Не взламываем защиту сайтов </a:t>
@@ -35084,11 +34422,6 @@
             </a:pPr>
             <a:r>
               <a:rPr lang="ru-RU" sz="2000" dirty="0">
-                <a:solidFill>
-                  <a:schemeClr val="accent1">
-                    <a:lumMod val="50000"/>
-                  </a:schemeClr>
-                </a:solidFill>
                 <a:latin typeface="+mn-lt"/>
               </a:rPr>
               <a:t>Не нарушаем пользовательские соглашения </a:t>
@@ -35098,11 +34431,6 @@
             <a:pPr marL="0" lvl="1"/>
             <a:r>
               <a:rPr lang="ru-RU" sz="2000" b="1" dirty="0">
-                <a:solidFill>
-                  <a:schemeClr val="accent1">
-                    <a:lumMod val="50000"/>
-                  </a:schemeClr>
-                </a:solidFill>
                 <a:latin typeface="+mn-lt"/>
               </a:rPr>
               <a:t>4. Техническая и юридическая безопасность</a:t>
@@ -35115,11 +34443,6 @@
             </a:pPr>
             <a:r>
               <a:rPr lang="ru-RU" sz="2000" dirty="0">
-                <a:solidFill>
-                  <a:schemeClr val="accent1">
-                    <a:lumMod val="50000"/>
-                  </a:schemeClr>
-                </a:solidFill>
                 <a:latin typeface="+mn-lt"/>
               </a:rPr>
               <a:t>Частотность запросов — без перегрузки серверов</a:t>
@@ -35132,11 +34455,6 @@
             </a:pPr>
             <a:r>
               <a:rPr lang="ru-RU" sz="2000" dirty="0">
-                <a:solidFill>
-                  <a:schemeClr val="accent1">
-                    <a:lumMod val="50000"/>
-                  </a:schemeClr>
-                </a:solidFill>
                 <a:latin typeface="+mn-lt"/>
               </a:rPr>
               <a:t>Открытые источники — только публичные страницы</a:t>
@@ -35149,11 +34467,6 @@
             </a:pPr>
             <a:r>
               <a:rPr lang="ru-RU" sz="2000" dirty="0">
-                <a:solidFill>
-                  <a:schemeClr val="accent1">
-                    <a:lumMod val="50000"/>
-                  </a:schemeClr>
-                </a:solidFill>
                 <a:latin typeface="+mn-lt"/>
               </a:rPr>
               <a:t>Структурирование данных — без искажения оригинальной информации</a:t>
@@ -35829,22 +35142,12 @@
             </a:pPr>
             <a:r>
               <a:rPr lang="ru-RU" b="1" dirty="0">
-                <a:solidFill>
-                  <a:schemeClr val="accent1">
-                    <a:lumMod val="50000"/>
-                  </a:schemeClr>
-                </a:solidFill>
                 <a:latin typeface="+mn-lt"/>
               </a:rPr>
               <a:t>Тенденции на рынке строительных материалов</a:t>
             </a:r>
             <a:r>
               <a:rPr lang="ru-RU" dirty="0">
-                <a:solidFill>
-                  <a:schemeClr val="accent1">
-                    <a:lumMod val="50000"/>
-                  </a:schemeClr>
-                </a:solidFill>
                 <a:latin typeface="+mn-lt"/>
               </a:rPr>
               <a:t>:</a:t>
@@ -35858,11 +35161,6 @@
             </a:pPr>
             <a:r>
               <a:rPr lang="ru-RU" dirty="0">
-                <a:solidFill>
-                  <a:schemeClr val="accent1">
-                    <a:lumMod val="50000"/>
-                  </a:schemeClr>
-                </a:solidFill>
                 <a:latin typeface="+mn-lt"/>
               </a:rPr>
               <a:t>Быстрый доступ к актуальным данным.</a:t>
@@ -35876,11 +35174,6 @@
             </a:pPr>
             <a:r>
               <a:rPr lang="ru-RU" dirty="0">
-                <a:solidFill>
-                  <a:schemeClr val="accent1">
-                    <a:lumMod val="50000"/>
-                  </a:schemeClr>
-                </a:solidFill>
                 <a:latin typeface="+mn-lt"/>
               </a:rPr>
               <a:t>Много времени на ручной сбор информации.</a:t>
@@ -35894,11 +35187,6 @@
             </a:pPr>
             <a:r>
               <a:rPr lang="ru-RU" dirty="0">
-                <a:solidFill>
-                  <a:schemeClr val="accent1">
-                    <a:lumMod val="50000"/>
-                  </a:schemeClr>
-                </a:solidFill>
                 <a:latin typeface="+mn-lt"/>
               </a:rPr>
               <a:t>Рост онлайн-продаж стройматериалов.</a:t>
@@ -35912,21 +35200,11 @@
             </a:pPr>
             <a:r>
               <a:rPr lang="ru-RU" dirty="0">
-                <a:solidFill>
-                  <a:schemeClr val="accent1">
-                    <a:lumMod val="50000"/>
-                  </a:schemeClr>
-                </a:solidFill>
                 <a:latin typeface="+mn-lt"/>
               </a:rPr>
               <a:t>Динамичное изменение цен. </a:t>
             </a:r>
             <a:endParaRPr lang="en-US" dirty="0">
-              <a:solidFill>
-                <a:schemeClr val="accent1">
-                  <a:lumMod val="50000"/>
-                </a:schemeClr>
-              </a:solidFill>
               <a:latin typeface="+mn-lt"/>
             </a:endParaRPr>
           </a:p>
@@ -35936,21 +35214,11 @@
             </a:pPr>
             <a:r>
               <a:rPr lang="ru-RU" b="1" dirty="0">
-                <a:solidFill>
-                  <a:schemeClr val="accent1">
-                    <a:lumMod val="50000"/>
-                  </a:schemeClr>
-                </a:solidFill>
                 <a:latin typeface="+mn-lt"/>
               </a:rPr>
               <a:t>Стейкхолдеры:</a:t>
             </a:r>
             <a:endParaRPr lang="en-US" b="1" dirty="0">
-              <a:solidFill>
-                <a:schemeClr val="accent1">
-                  <a:lumMod val="50000"/>
-                </a:schemeClr>
-              </a:solidFill>
               <a:latin typeface="+mn-lt"/>
             </a:endParaRPr>
           </a:p>
@@ -35962,11 +35230,6 @@
             </a:pPr>
             <a:r>
               <a:rPr lang="ru-RU" dirty="0">
-                <a:solidFill>
-                  <a:schemeClr val="accent1">
-                    <a:lumMod val="50000"/>
-                  </a:schemeClr>
-                </a:solidFill>
                 <a:latin typeface="+mn-lt"/>
               </a:rPr>
               <a:t>Компании (строительные, поставщики).</a:t>
@@ -35980,11 +35243,6 @@
             </a:pPr>
             <a:r>
               <a:rPr lang="ru-RU" dirty="0">
-                <a:solidFill>
-                  <a:schemeClr val="accent1">
-                    <a:lumMod val="50000"/>
-                  </a:schemeClr>
-                </a:solidFill>
                 <a:latin typeface="+mn-lt"/>
               </a:rPr>
               <a:t>Интернет-магазины и маркетплейсы.</a:t>
@@ -35998,11 +35256,6 @@
             </a:pPr>
             <a:r>
               <a:rPr lang="ru-RU" altLang="ru-RU" dirty="0">
-                <a:solidFill>
-                  <a:schemeClr val="accent1">
-                    <a:lumMod val="50000"/>
-                  </a:schemeClr>
-                </a:solidFill>
                 <a:latin typeface="+mn-lt"/>
               </a:rPr>
               <a:t>Частные клиенты и подрядчики.</a:t>
@@ -36016,11 +35269,6 @@
             </a:pPr>
             <a:r>
               <a:rPr lang="ru-RU" altLang="ru-RU" dirty="0">
-                <a:solidFill>
-                  <a:schemeClr val="accent1">
-                    <a:lumMod val="50000"/>
-                  </a:schemeClr>
-                </a:solidFill>
                 <a:latin typeface="+mn-lt"/>
               </a:rPr>
               <a:t>Аналитики рынка.</a:t>
@@ -36929,33 +36177,18 @@
             <a:pPr algn="just"/>
             <a:r>
               <a:rPr lang="ru-RU" sz="3200" b="1" dirty="0">
-                <a:solidFill>
-                  <a:schemeClr val="accent1">
-                    <a:lumMod val="50000"/>
-                  </a:schemeClr>
-                </a:solidFill>
                 <a:latin typeface="+mn-lt"/>
               </a:rPr>
               <a:t>Достигнутая цель - </a:t>
             </a:r>
             <a:r>
               <a:rPr lang="ru-RU" sz="3200" dirty="0">
-                <a:solidFill>
-                  <a:schemeClr val="accent1">
-                    <a:lumMod val="50000"/>
-                  </a:schemeClr>
-                </a:solidFill>
                 <a:latin typeface="+mn-lt"/>
               </a:rPr>
               <a:t>р</a:t>
             </a:r>
             <a:r>
               <a:rPr lang="ru-RU" sz="3200" i="0" dirty="0">
-                <a:solidFill>
-                  <a:schemeClr val="accent1">
-                    <a:lumMod val="50000"/>
-                  </a:schemeClr>
-                </a:solidFill>
                 <a:effectLst/>
                 <a:latin typeface="+mn-lt"/>
               </a:rPr>
@@ -36966,22 +36199,12 @@
             <a:pPr algn="just"/>
             <a:r>
               <a:rPr lang="ru-RU" sz="3200" b="1" i="0" dirty="0">
-                <a:solidFill>
-                  <a:schemeClr val="accent1">
-                    <a:lumMod val="50000"/>
-                  </a:schemeClr>
-                </a:solidFill>
                 <a:effectLst/>
                 <a:latin typeface="+mn-lt"/>
               </a:rPr>
               <a:t>Выполненные задачи:</a:t>
             </a:r>
             <a:endParaRPr lang="ru-RU" sz="3200" b="0" i="0" dirty="0">
-              <a:solidFill>
-                <a:schemeClr val="accent1">
-                  <a:lumMod val="50000"/>
-                </a:schemeClr>
-              </a:solidFill>
               <a:effectLst/>
               <a:latin typeface="+mn-lt"/>
             </a:endParaRPr>
@@ -36993,11 +36216,6 @@
             </a:pPr>
             <a:r>
               <a:rPr lang="ru-RU" sz="3200" i="0" dirty="0">
-                <a:solidFill>
-                  <a:schemeClr val="accent1">
-                    <a:lumMod val="50000"/>
-                  </a:schemeClr>
-                </a:solidFill>
                 <a:effectLst/>
                 <a:latin typeface="+mn-lt"/>
               </a:rPr>
@@ -37005,21 +36223,11 @@
             </a:r>
             <a:r>
               <a:rPr lang="ru-RU" sz="3200" dirty="0">
-                <a:solidFill>
-                  <a:schemeClr val="accent1">
-                    <a:lumMod val="50000"/>
-                  </a:schemeClr>
-                </a:solidFill>
                 <a:latin typeface="+mn-lt"/>
               </a:rPr>
               <a:t>.</a:t>
             </a:r>
             <a:endParaRPr lang="ru-RU" sz="3200" i="0" dirty="0">
-              <a:solidFill>
-                <a:schemeClr val="accent1">
-                  <a:lumMod val="50000"/>
-                </a:schemeClr>
-              </a:solidFill>
               <a:effectLst/>
               <a:latin typeface="+mn-lt"/>
             </a:endParaRPr>
@@ -37031,22 +36239,12 @@
             </a:pPr>
             <a:r>
               <a:rPr lang="ru-RU" sz="3200" i="0" dirty="0">
-                <a:solidFill>
-                  <a:schemeClr val="accent1">
-                    <a:lumMod val="50000"/>
-                  </a:schemeClr>
-                </a:solidFill>
                 <a:effectLst/>
                 <a:latin typeface="+mn-lt"/>
               </a:rPr>
               <a:t>Определение требований.</a:t>
             </a:r>
             <a:endParaRPr lang="ru-RU" sz="3200" dirty="0">
-              <a:solidFill>
-                <a:schemeClr val="accent1">
-                  <a:lumMod val="50000"/>
-                </a:schemeClr>
-              </a:solidFill>
               <a:latin typeface="+mn-lt"/>
             </a:endParaRPr>
           </a:p>
@@ -37057,11 +36255,6 @@
             </a:pPr>
             <a:r>
               <a:rPr lang="ru-RU" sz="3200" i="0" dirty="0">
-                <a:solidFill>
-                  <a:schemeClr val="accent1">
-                    <a:lumMod val="50000"/>
-                  </a:schemeClr>
-                </a:solidFill>
                 <a:effectLst/>
                 <a:latin typeface="+mn-lt"/>
               </a:rPr>
@@ -37069,21 +36262,11 @@
             </a:r>
             <a:r>
               <a:rPr lang="ru-RU" sz="3200" dirty="0">
-                <a:solidFill>
-                  <a:schemeClr val="accent1">
-                    <a:lumMod val="50000"/>
-                  </a:schemeClr>
-                </a:solidFill>
                 <a:latin typeface="+mn-lt"/>
               </a:rPr>
               <a:t>.</a:t>
             </a:r>
             <a:endParaRPr lang="ru-RU" sz="3200" i="0" dirty="0">
-              <a:solidFill>
-                <a:schemeClr val="accent1">
-                  <a:lumMod val="50000"/>
-                </a:schemeClr>
-              </a:solidFill>
               <a:effectLst/>
               <a:latin typeface="+mn-lt"/>
             </a:endParaRPr>
@@ -37095,11 +36278,6 @@
             </a:pPr>
             <a:r>
               <a:rPr lang="ru-RU" sz="3200" i="0" dirty="0">
-                <a:solidFill>
-                  <a:schemeClr val="accent1">
-                    <a:lumMod val="50000"/>
-                  </a:schemeClr>
-                </a:solidFill>
                 <a:effectLst/>
                 <a:latin typeface="+mn-lt"/>
               </a:rPr>
@@ -37113,11 +36291,6 @@
             </a:pPr>
             <a:r>
               <a:rPr lang="ru-RU" sz="3200" i="0" dirty="0">
-                <a:solidFill>
-                  <a:schemeClr val="accent1">
-                    <a:lumMod val="50000"/>
-                  </a:schemeClr>
-                </a:solidFill>
                 <a:effectLst/>
                 <a:latin typeface="+mn-lt"/>
               </a:rPr>
@@ -37125,21 +36298,11 @@
             </a:r>
             <a:r>
               <a:rPr lang="ru-RU" sz="3200" dirty="0">
-                <a:solidFill>
-                  <a:schemeClr val="accent1">
-                    <a:lumMod val="50000"/>
-                  </a:schemeClr>
-                </a:solidFill>
                 <a:latin typeface="+mn-lt"/>
               </a:rPr>
               <a:t>.</a:t>
             </a:r>
             <a:endParaRPr lang="ru-RU" sz="3200" i="0" dirty="0">
-              <a:solidFill>
-                <a:schemeClr val="accent1">
-                  <a:lumMod val="50000"/>
-                </a:schemeClr>
-              </a:solidFill>
               <a:effectLst/>
               <a:latin typeface="+mn-lt"/>
             </a:endParaRPr>
@@ -37151,11 +36314,6 @@
             </a:pPr>
             <a:r>
               <a:rPr lang="ru-RU" sz="3200" i="0" dirty="0">
-                <a:solidFill>
-                  <a:schemeClr val="accent1">
-                    <a:lumMod val="50000"/>
-                  </a:schemeClr>
-                </a:solidFill>
                 <a:effectLst/>
                 <a:latin typeface="+mn-lt"/>
               </a:rPr>
@@ -37163,11 +36321,6 @@
             </a:r>
             <a:r>
               <a:rPr lang="ru-RU" sz="3200" dirty="0">
-                <a:solidFill>
-                  <a:schemeClr val="accent1">
-                    <a:lumMod val="50000"/>
-                  </a:schemeClr>
-                </a:solidFill>
                 <a:latin typeface="+mn-lt"/>
               </a:rPr>
               <a:t>.</a:t>
@@ -37871,22 +37024,12 @@
             <a:pPr algn="just"/>
             <a:r>
               <a:rPr lang="ru-RU" sz="3200" b="1" i="0" dirty="0">
-                <a:solidFill>
-                  <a:schemeClr val="accent1">
-                    <a:lumMod val="50000"/>
-                  </a:schemeClr>
-                </a:solidFill>
                 <a:effectLst/>
                 <a:latin typeface="+mn-lt"/>
               </a:rPr>
               <a:t>1. Интеллектуализация платформы</a:t>
             </a:r>
             <a:endParaRPr lang="ru-RU" sz="3200" b="0" i="0" dirty="0">
-              <a:solidFill>
-                <a:schemeClr val="accent1">
-                  <a:lumMod val="50000"/>
-                </a:schemeClr>
-              </a:solidFill>
               <a:effectLst/>
               <a:latin typeface="+mn-lt"/>
             </a:endParaRPr>
@@ -37898,22 +37041,12 @@
             </a:pPr>
             <a:r>
               <a:rPr lang="ru-RU" sz="3200" i="0" dirty="0">
-                <a:solidFill>
-                  <a:schemeClr val="accent1">
-                    <a:lumMod val="50000"/>
-                  </a:schemeClr>
-                </a:solidFill>
                 <a:effectLst/>
                 <a:latin typeface="+mn-lt"/>
               </a:rPr>
               <a:t>Внедрение ИИ и машинного обучения</a:t>
             </a:r>
             <a:endParaRPr lang="ru-RU" sz="3200" dirty="0">
-              <a:solidFill>
-                <a:schemeClr val="accent1">
-                  <a:lumMod val="50000"/>
-                </a:schemeClr>
-              </a:solidFill>
               <a:latin typeface="+mn-lt"/>
             </a:endParaRPr>
           </a:p>
@@ -37921,22 +37054,12 @@
             <a:pPr algn="just"/>
             <a:r>
               <a:rPr lang="ru-RU" sz="3200" b="1" i="0" dirty="0">
-                <a:solidFill>
-                  <a:schemeClr val="accent1">
-                    <a:lumMod val="50000"/>
-                  </a:schemeClr>
-                </a:solidFill>
                 <a:effectLst/>
                 <a:latin typeface="+mn-lt"/>
               </a:rPr>
               <a:t>2. Максимальная автоматизация</a:t>
             </a:r>
             <a:endParaRPr lang="ru-RU" sz="3200" b="0" i="0" dirty="0">
-              <a:solidFill>
-                <a:schemeClr val="accent1">
-                  <a:lumMod val="50000"/>
-                </a:schemeClr>
-              </a:solidFill>
               <a:effectLst/>
               <a:latin typeface="+mn-lt"/>
             </a:endParaRPr>
@@ -37948,22 +37071,12 @@
             </a:pPr>
             <a:r>
               <a:rPr lang="ru-RU" sz="3200" i="0" dirty="0">
-                <a:solidFill>
-                  <a:schemeClr val="accent1">
-                    <a:lumMod val="50000"/>
-                  </a:schemeClr>
-                </a:solidFill>
                 <a:effectLst/>
                 <a:latin typeface="+mn-lt"/>
               </a:rPr>
               <a:t>Самообучающийся парсер</a:t>
             </a:r>
             <a:endParaRPr lang="ru-RU" sz="3200" dirty="0">
-              <a:solidFill>
-                <a:schemeClr val="accent1">
-                  <a:lumMod val="50000"/>
-                </a:schemeClr>
-              </a:solidFill>
               <a:latin typeface="+mn-lt"/>
             </a:endParaRPr>
           </a:p>
@@ -37974,22 +37087,12 @@
             </a:pPr>
             <a:r>
               <a:rPr lang="ru-RU" sz="3200" i="0" dirty="0">
-                <a:solidFill>
-                  <a:schemeClr val="accent1">
-                    <a:lumMod val="50000"/>
-                  </a:schemeClr>
-                </a:solidFill>
                 <a:effectLst/>
                 <a:latin typeface="+mn-lt"/>
               </a:rPr>
               <a:t>Упрощенный интерфейс</a:t>
             </a:r>
             <a:endParaRPr lang="ru-RU" sz="3200" dirty="0">
-              <a:solidFill>
-                <a:schemeClr val="accent1">
-                  <a:lumMod val="50000"/>
-                </a:schemeClr>
-              </a:solidFill>
               <a:latin typeface="+mn-lt"/>
             </a:endParaRPr>
           </a:p>
@@ -37997,22 +37100,12 @@
             <a:pPr algn="just"/>
             <a:r>
               <a:rPr lang="ru-RU" sz="3200" b="1" i="0" dirty="0">
-                <a:solidFill>
-                  <a:schemeClr val="accent1">
-                    <a:lumMod val="50000"/>
-                  </a:schemeClr>
-                </a:solidFill>
                 <a:effectLst/>
                 <a:latin typeface="+mn-lt"/>
               </a:rPr>
               <a:t>3. Глубокая интеграция</a:t>
             </a:r>
             <a:endParaRPr lang="ru-RU" sz="3200" b="0" i="0" dirty="0">
-              <a:solidFill>
-                <a:schemeClr val="accent1">
-                  <a:lumMod val="50000"/>
-                </a:schemeClr>
-              </a:solidFill>
               <a:effectLst/>
               <a:latin typeface="+mn-lt"/>
             </a:endParaRPr>
@@ -38024,22 +37117,12 @@
             </a:pPr>
             <a:r>
               <a:rPr lang="ru-RU" sz="3200" i="0" dirty="0">
-                <a:solidFill>
-                  <a:schemeClr val="accent1">
-                    <a:lumMod val="50000"/>
-                  </a:schemeClr>
-                </a:solidFill>
                 <a:effectLst/>
                 <a:latin typeface="+mn-lt"/>
               </a:rPr>
               <a:t>Подключение к бизнес-системам</a:t>
             </a:r>
             <a:endParaRPr lang="ru-RU" sz="3200" dirty="0">
-              <a:solidFill>
-                <a:schemeClr val="accent1">
-                  <a:lumMod val="50000"/>
-                </a:schemeClr>
-              </a:solidFill>
               <a:latin typeface="+mn-lt"/>
             </a:endParaRPr>
           </a:p>
@@ -38050,22 +37133,12 @@
             </a:pPr>
             <a:r>
               <a:rPr lang="ru-RU" sz="3200" i="0" dirty="0">
-                <a:solidFill>
-                  <a:schemeClr val="accent1">
-                    <a:lumMod val="50000"/>
-                  </a:schemeClr>
-                </a:solidFill>
                 <a:effectLst/>
                 <a:latin typeface="+mn-lt"/>
               </a:rPr>
               <a:t>Расширенные форматы выгрузки</a:t>
             </a:r>
             <a:endParaRPr lang="ru-RU" sz="3200" dirty="0">
-              <a:solidFill>
-                <a:schemeClr val="accent1">
-                  <a:lumMod val="50000"/>
-                </a:schemeClr>
-              </a:solidFill>
               <a:latin typeface="+mn-lt"/>
             </a:endParaRPr>
           </a:p>
@@ -38073,22 +37146,12 @@
             <a:pPr algn="just"/>
             <a:r>
               <a:rPr lang="ru-RU" sz="3200" b="1" i="0" dirty="0">
-                <a:solidFill>
-                  <a:schemeClr val="accent1">
-                    <a:lumMod val="50000"/>
-                  </a:schemeClr>
-                </a:solidFill>
                 <a:effectLst/>
                 <a:latin typeface="+mn-lt"/>
               </a:rPr>
               <a:t>4. Расширенный мониторинг</a:t>
             </a:r>
             <a:endParaRPr lang="ru-RU" sz="3200" b="0" i="0" dirty="0">
-              <a:solidFill>
-                <a:schemeClr val="accent1">
-                  <a:lumMod val="50000"/>
-                </a:schemeClr>
-              </a:solidFill>
               <a:effectLst/>
               <a:latin typeface="+mn-lt"/>
             </a:endParaRPr>
@@ -38100,11 +37163,6 @@
             </a:pPr>
             <a:r>
               <a:rPr lang="ru-RU" sz="3200" i="0" dirty="0" err="1">
-                <a:solidFill>
-                  <a:schemeClr val="accent1">
-                    <a:lumMod val="50000"/>
-                  </a:schemeClr>
-                </a:solidFill>
                 <a:effectLst/>
                 <a:latin typeface="+mn-lt"/>
               </a:rPr>
@@ -38112,22 +37170,12 @@
             </a:r>
             <a:r>
               <a:rPr lang="ru-RU" sz="3200" i="0" dirty="0">
-                <a:solidFill>
-                  <a:schemeClr val="accent1">
-                    <a:lumMod val="50000"/>
-                  </a:schemeClr>
-                </a:solidFill>
                 <a:effectLst/>
                 <a:latin typeface="+mn-lt"/>
               </a:rPr>
               <a:t> изменений в реальном времени</a:t>
             </a:r>
             <a:endParaRPr lang="ru-RU" sz="3200" dirty="0">
-              <a:solidFill>
-                <a:schemeClr val="accent1">
-                  <a:lumMod val="50000"/>
-                </a:schemeClr>
-              </a:solidFill>
               <a:latin typeface="+mn-lt"/>
             </a:endParaRPr>
           </a:p>
@@ -38396,7 +37444,7 @@
         </p:nvSpPr>
         <p:spPr bwMode="auto">
           <a:xfrm>
-            <a:off x="1384300" y="1916113"/>
+            <a:off x="1439794" y="1610341"/>
             <a:ext cx="5400675" cy="2668587"/>
           </a:xfrm>
           <a:prstGeom prst="rect">
@@ -38952,6 +38000,82 @@
           </a:ln>
         </p:spPr>
       </p:pic>
+      <p:pic>
+        <p:nvPicPr>
+          <p:cNvPr id="3" name="Рисунок 2">
+            <a:extLst>
+              <a:ext uri="{FF2B5EF4-FFF2-40B4-BE49-F238E27FC236}">
+                <a16:creationId xmlns:a16="http://schemas.microsoft.com/office/drawing/2014/main" id="{BE1B8FBF-0785-4331-836F-CEDF493D5493}"/>
+              </a:ext>
+            </a:extLst>
+          </p:cNvPr>
+          <p:cNvPicPr>
+            <a:picLocks noChangeAspect="1"/>
+          </p:cNvPicPr>
+          <p:nvPr/>
+        </p:nvPicPr>
+        <p:blipFill>
+          <a:blip r:embed="rId7" cstate="print">
+            <a:extLst>
+              <a:ext uri="{28A0092B-C50C-407E-A947-70E740481C1C}">
+                <a14:useLocalDpi xmlns:a14="http://schemas.microsoft.com/office/drawing/2010/main" val="0"/>
+              </a:ext>
+            </a:extLst>
+          </a:blip>
+          <a:stretch>
+            <a:fillRect/>
+          </a:stretch>
+        </p:blipFill>
+        <p:spPr>
+          <a:xfrm>
+            <a:off x="966654" y="4945717"/>
+            <a:ext cx="1335287" cy="1335287"/>
+          </a:xfrm>
+          <a:prstGeom prst="rect">
+            <a:avLst/>
+          </a:prstGeom>
+        </p:spPr>
+      </p:pic>
+      <p:sp>
+        <p:nvSpPr>
+          <p:cNvPr id="16" name="TextBox 15">
+            <a:extLst>
+              <a:ext uri="{FF2B5EF4-FFF2-40B4-BE49-F238E27FC236}">
+                <a16:creationId xmlns:a16="http://schemas.microsoft.com/office/drawing/2014/main" id="{F11674D7-DA16-4E69-950B-4E02E9464E9C}"/>
+              </a:ext>
+            </a:extLst>
+          </p:cNvPr>
+          <p:cNvSpPr txBox="1"/>
+          <p:nvPr/>
+        </p:nvSpPr>
+        <p:spPr>
+          <a:xfrm>
+            <a:off x="887613" y="6280725"/>
+            <a:ext cx="3754870" cy="276999"/>
+          </a:xfrm>
+          <a:prstGeom prst="rect">
+            <a:avLst/>
+          </a:prstGeom>
+          <a:noFill/>
+        </p:spPr>
+        <p:txBody>
+          <a:bodyPr wrap="square">
+            <a:spAutoFit/>
+          </a:bodyPr>
+          <a:lstStyle/>
+          <a:p>
+            <a:r>
+              <a:rPr lang="ru-RU" sz="1200" dirty="0">
+                <a:solidFill>
+                  <a:schemeClr val="bg1"/>
+                </a:solidFill>
+                <a:latin typeface="Oswald Regular" panose="00000500000000000000" pitchFamily="2" charset="-52"/>
+              </a:rPr>
+              <a:t>https://github.com/Evgenij1234/Diplom-work</a:t>
+            </a:r>
+          </a:p>
+        </p:txBody>
+      </p:sp>
     </p:spTree>
   </p:cSld>
   <p:clrMapOvr>
@@ -39647,11 +38771,6 @@
           <a:p>
             <a:r>
               <a:rPr lang="ru-RU" sz="3200" b="1" i="0" dirty="0">
-                <a:solidFill>
-                  <a:schemeClr val="accent1">
-                    <a:lumMod val="50000"/>
-                  </a:schemeClr>
-                </a:solidFill>
                 <a:effectLst/>
                 <a:latin typeface="+mn-lt"/>
               </a:rPr>
@@ -39659,11 +38778,6 @@
             </a:r>
             <a:r>
               <a:rPr lang="ru-RU" sz="3200" i="0" dirty="0">
-                <a:solidFill>
-                  <a:schemeClr val="accent1">
-                    <a:lumMod val="50000"/>
-                  </a:schemeClr>
-                </a:solidFill>
                 <a:effectLst/>
                 <a:latin typeface="+mn-lt"/>
               </a:rPr>
@@ -39673,11 +38787,6 @@
           <a:p>
             <a:r>
               <a:rPr lang="ru-RU" sz="3200" i="0" dirty="0">
-                <a:solidFill>
-                  <a:schemeClr val="accent1">
-                    <a:lumMod val="50000"/>
-                  </a:schemeClr>
-                </a:solidFill>
                 <a:effectLst/>
                 <a:latin typeface="+mn-lt"/>
               </a:rPr>
@@ -39687,11 +38796,6 @@
           <a:p>
             <a:r>
               <a:rPr lang="ru-RU" sz="3200" i="0" dirty="0">
-                <a:solidFill>
-                  <a:schemeClr val="accent1">
-                    <a:lumMod val="50000"/>
-                  </a:schemeClr>
-                </a:solidFill>
                 <a:effectLst/>
                 <a:latin typeface="+mn-lt"/>
               </a:rPr>
@@ -39701,11 +38805,6 @@
           <a:p>
             <a:r>
               <a:rPr lang="ru-RU" sz="3200" i="0" dirty="0">
-                <a:solidFill>
-                  <a:schemeClr val="accent1">
-                    <a:lumMod val="50000"/>
-                  </a:schemeClr>
-                </a:solidFill>
                 <a:effectLst/>
                 <a:latin typeface="+mn-lt"/>
               </a:rPr>
@@ -39713,21 +38812,11 @@
             </a:r>
             <a:r>
               <a:rPr lang="ru-RU" sz="3200" dirty="0">
-                <a:solidFill>
-                  <a:schemeClr val="accent1">
-                    <a:lumMod val="50000"/>
-                  </a:schemeClr>
-                </a:solidFill>
                 <a:latin typeface="+mn-lt"/>
               </a:rPr>
               <a:t>.</a:t>
             </a:r>
             <a:endParaRPr lang="ru-RU" sz="3200" i="0" dirty="0">
-              <a:solidFill>
-                <a:schemeClr val="accent1">
-                  <a:lumMod val="50000"/>
-                </a:schemeClr>
-              </a:solidFill>
               <a:effectLst/>
               <a:latin typeface="+mn-lt"/>
             </a:endParaRPr>
@@ -39812,22 +38901,12 @@
             <a:pPr algn="just"/>
             <a:r>
               <a:rPr lang="ru-RU" sz="2800" b="1" i="0" dirty="0">
-                <a:solidFill>
-                  <a:schemeClr val="accent1">
-                    <a:lumMod val="50000"/>
-                  </a:schemeClr>
-                </a:solidFill>
                 <a:effectLst/>
                 <a:latin typeface="+mn-lt"/>
               </a:rPr>
               <a:t>Результат для бизнеса:</a:t>
             </a:r>
             <a:endParaRPr lang="ru-RU" sz="2800" b="0" i="0" dirty="0">
-              <a:solidFill>
-                <a:schemeClr val="accent1">
-                  <a:lumMod val="50000"/>
-                </a:schemeClr>
-              </a:solidFill>
               <a:effectLst/>
               <a:latin typeface="+mn-lt"/>
             </a:endParaRPr>
@@ -39839,11 +38918,6 @@
             </a:pPr>
             <a:r>
               <a:rPr lang="ru-RU" sz="2800" b="0" i="0" dirty="0">
-                <a:solidFill>
-                  <a:schemeClr val="accent1">
-                    <a:lumMod val="50000"/>
-                  </a:schemeClr>
-                </a:solidFill>
                 <a:effectLst/>
                 <a:latin typeface="+mn-lt"/>
               </a:rPr>
@@ -39857,22 +38931,12 @@
             </a:pPr>
             <a:r>
               <a:rPr lang="ru-RU" sz="2800" b="0" i="0" dirty="0">
-                <a:solidFill>
-                  <a:schemeClr val="accent1">
-                    <a:lumMod val="50000"/>
-                  </a:schemeClr>
-                </a:solidFill>
                 <a:effectLst/>
                 <a:latin typeface="+mn-lt"/>
               </a:rPr>
               <a:t>Простои</a:t>
             </a:r>
             <a:endParaRPr lang="ru-RU" sz="2800" dirty="0">
-              <a:solidFill>
-                <a:schemeClr val="accent1">
-                  <a:lumMod val="50000"/>
-                </a:schemeClr>
-              </a:solidFill>
               <a:latin typeface="+mn-lt"/>
             </a:endParaRPr>
           </a:p>
@@ -39883,11 +38947,6 @@
             </a:pPr>
             <a:r>
               <a:rPr lang="ru-RU" sz="2800" b="0" i="0" dirty="0">
-                <a:solidFill>
-                  <a:schemeClr val="accent1">
-                    <a:lumMod val="50000"/>
-                  </a:schemeClr>
-                </a:solidFill>
                 <a:effectLst/>
                 <a:latin typeface="+mn-lt"/>
               </a:rPr>
@@ -40771,22 +39830,12 @@
             </a:pPr>
             <a:r>
               <a:rPr lang="ru-RU" sz="2800" b="1" dirty="0">
-                <a:solidFill>
-                  <a:schemeClr val="accent1">
-                    <a:lumMod val="50000"/>
-                  </a:schemeClr>
-                </a:solidFill>
                 <a:latin typeface="+mn-lt"/>
               </a:rPr>
               <a:t>Цель: </a:t>
             </a:r>
             <a:r>
               <a:rPr lang="ru-RU" sz="2800" dirty="0">
-                <a:solidFill>
-                  <a:schemeClr val="accent1">
-                    <a:lumMod val="50000"/>
-                  </a:schemeClr>
-                </a:solidFill>
                 <a:latin typeface="+mn-lt"/>
               </a:rPr>
               <a:t>разработать программное обеспечение для анализа рынка строительных материалов </a:t>
@@ -40798,11 +39847,6 @@
             </a:pPr>
             <a:r>
               <a:rPr lang="ru-RU" sz="2800" b="1" dirty="0">
-                <a:solidFill>
-                  <a:schemeClr val="accent1">
-                    <a:lumMod val="50000"/>
-                  </a:schemeClr>
-                </a:solidFill>
                 <a:latin typeface="+mn-lt"/>
               </a:rPr>
               <a:t>Задачи:</a:t>
@@ -40816,11 +39860,6 @@
             </a:pPr>
             <a:r>
               <a:rPr lang="ru-RU" sz="2800" dirty="0">
-                <a:solidFill>
-                  <a:schemeClr val="accent1">
-                    <a:lumMod val="50000"/>
-                  </a:schemeClr>
-                </a:solidFill>
                 <a:latin typeface="+mn-lt"/>
               </a:rPr>
               <a:t>Проанализировать существующие подходы и инструменты для сбора данных.</a:t>
@@ -40834,11 +39873,6 @@
             </a:pPr>
             <a:r>
               <a:rPr lang="ru-RU" sz="2800" dirty="0">
-                <a:solidFill>
-                  <a:schemeClr val="accent1">
-                    <a:lumMod val="50000"/>
-                  </a:schemeClr>
-                </a:solidFill>
                 <a:latin typeface="+mn-lt"/>
               </a:rPr>
               <a:t>Определить ключевые требования к программному обеспечению.</a:t>
@@ -40852,11 +39886,6 @@
             </a:pPr>
             <a:r>
               <a:rPr lang="ru-RU" sz="2800" dirty="0">
-                <a:solidFill>
-                  <a:schemeClr val="accent1">
-                    <a:lumMod val="50000"/>
-                  </a:schemeClr>
-                </a:solidFill>
                 <a:latin typeface="+mn-lt"/>
               </a:rPr>
               <a:t>Разработать архитектуру программы.</a:t>
@@ -40870,33 +39899,18 @@
             </a:pPr>
             <a:r>
               <a:rPr lang="ru-RU" sz="2800" dirty="0">
-                <a:solidFill>
-                  <a:schemeClr val="accent1">
-                    <a:lumMod val="50000"/>
-                  </a:schemeClr>
-                </a:solidFill>
                 <a:latin typeface="+mn-lt"/>
               </a:rPr>
               <a:t>Реализовать основные алгоритмы веб-</a:t>
             </a:r>
             <a:r>
               <a:rPr lang="ru-RU" sz="2800" dirty="0" err="1">
-                <a:solidFill>
-                  <a:schemeClr val="accent1">
-                    <a:lumMod val="50000"/>
-                  </a:schemeClr>
-                </a:solidFill>
                 <a:latin typeface="+mn-lt"/>
               </a:rPr>
               <a:t>скрейпинга</a:t>
             </a:r>
             <a:r>
               <a:rPr lang="ru-RU" sz="2800" dirty="0">
-                <a:solidFill>
-                  <a:schemeClr val="accent1">
-                    <a:lumMod val="50000"/>
-                  </a:schemeClr>
-                </a:solidFill>
                 <a:latin typeface="+mn-lt"/>
               </a:rPr>
               <a:t> и обработки текстовой информации.</a:t>
@@ -40910,11 +39924,6 @@
             </a:pPr>
             <a:r>
               <a:rPr lang="ru-RU" sz="2800" dirty="0">
-                <a:solidFill>
-                  <a:schemeClr val="accent1">
-                    <a:lumMod val="50000"/>
-                  </a:schemeClr>
-                </a:solidFill>
                 <a:latin typeface="+mn-lt"/>
               </a:rPr>
               <a:t>Провести тестирование программы.</a:t>
@@ -40928,11 +39937,6 @@
             </a:pPr>
             <a:r>
               <a:rPr lang="ru-RU" sz="2800" dirty="0">
-                <a:solidFill>
-                  <a:schemeClr val="accent1">
-                    <a:lumMod val="50000"/>
-                  </a:schemeClr>
-                </a:solidFill>
                 <a:latin typeface="+mn-lt"/>
               </a:rPr>
               <a:t>Оценить эффективность программы и её практическую применимость.</a:t>
@@ -43926,7 +42930,7 @@
         </p:nvSpPr>
         <p:spPr>
           <a:xfrm>
-            <a:off x="762509" y="5886390"/>
+            <a:off x="742266" y="6286101"/>
             <a:ext cx="8541964" cy="400110"/>
           </a:xfrm>
           <a:prstGeom prst="rect">
@@ -43943,11 +42947,6 @@
             <a:pPr algn="ctr"/>
             <a:r>
               <a:rPr lang="ru-RU" sz="2000" i="0" dirty="0">
-                <a:solidFill>
-                  <a:schemeClr val="accent1">
-                    <a:lumMod val="50000"/>
-                  </a:schemeClr>
-                </a:solidFill>
                 <a:effectLst/>
                 <a:latin typeface="+mn-lt"/>
               </a:rPr>
@@ -44792,35 +43791,6 @@
           </a:p>
         </p:txBody>
       </p:sp>
-      <p:pic>
-        <p:nvPicPr>
-          <p:cNvPr id="3" name="Рисунок 2">
-            <a:extLst>
-              <a:ext uri="{FF2B5EF4-FFF2-40B4-BE49-F238E27FC236}">
-                <a16:creationId xmlns:a16="http://schemas.microsoft.com/office/drawing/2014/main" id="{F6510067-8023-40AF-AA1C-9757FC62EC72}"/>
-              </a:ext>
-            </a:extLst>
-          </p:cNvPr>
-          <p:cNvPicPr>
-            <a:picLocks noChangeAspect="1"/>
-          </p:cNvPicPr>
-          <p:nvPr/>
-        </p:nvPicPr>
-        <p:blipFill rotWithShape="1">
-          <a:blip r:embed="rId7"/>
-          <a:srcRect l="37180" t="28347" r="20256" b="18091"/>
-          <a:stretch/>
-        </p:blipFill>
-        <p:spPr>
-          <a:xfrm>
-            <a:off x="1083982" y="945660"/>
-            <a:ext cx="7147827" cy="5059762"/>
-          </a:xfrm>
-          <a:prstGeom prst="rect">
-            <a:avLst/>
-          </a:prstGeom>
-        </p:spPr>
-      </p:pic>
       <p:sp>
         <p:nvSpPr>
           <p:cNvPr id="16" name="TextBox 15">
@@ -44835,8 +43805,8 @@
         </p:nvSpPr>
         <p:spPr>
           <a:xfrm>
-            <a:off x="1083982" y="6120226"/>
-            <a:ext cx="7147827" cy="400110"/>
+            <a:off x="1288474" y="6338857"/>
+            <a:ext cx="7329052" cy="400110"/>
           </a:xfrm>
           <a:prstGeom prst="rect">
             <a:avLst/>
@@ -44851,39 +43821,47 @@
           <a:p>
             <a:pPr algn="ctr"/>
             <a:r>
-              <a:rPr lang="en-US" sz="2000" dirty="0">
-                <a:solidFill>
-                  <a:schemeClr val="accent1">
-                    <a:lumMod val="50000"/>
-                  </a:schemeClr>
-                </a:solidFill>
+              <a:rPr lang="ru-RU" sz="2000" dirty="0">
                 <a:latin typeface="+mn-lt"/>
               </a:rPr>
-              <a:t>ER-</a:t>
-            </a:r>
-            <a:r>
-              <a:rPr lang="ru-RU" sz="2000" dirty="0">
-                <a:solidFill>
-                  <a:schemeClr val="accent1">
-                    <a:lumMod val="50000"/>
-                  </a:schemeClr>
-                </a:solidFill>
-                <a:latin typeface="+mn-lt"/>
-              </a:rPr>
-              <a:t>диаграмма</a:t>
+              <a:t>Схема хранения данных</a:t>
             </a:r>
             <a:endParaRPr lang="ru-RU" sz="2000" i="0" dirty="0">
-              <a:solidFill>
-                <a:schemeClr val="accent1">
-                  <a:lumMod val="50000"/>
-                </a:schemeClr>
-              </a:solidFill>
               <a:effectLst/>
               <a:latin typeface="+mn-lt"/>
             </a:endParaRPr>
           </a:p>
         </p:txBody>
       </p:sp>
+      <p:pic>
+        <p:nvPicPr>
+          <p:cNvPr id="4" name="Рисунок 3">
+            <a:extLst>
+              <a:ext uri="{FF2B5EF4-FFF2-40B4-BE49-F238E27FC236}">
+                <a16:creationId xmlns:a16="http://schemas.microsoft.com/office/drawing/2014/main" id="{D37ED02D-1DE3-4F4D-A126-60291E9A3DCB}"/>
+              </a:ext>
+            </a:extLst>
+          </p:cNvPr>
+          <p:cNvPicPr>
+            <a:picLocks noChangeAspect="1"/>
+          </p:cNvPicPr>
+          <p:nvPr/>
+        </p:nvPicPr>
+        <p:blipFill rotWithShape="1">
+          <a:blip r:embed="rId7"/>
+          <a:srcRect l="35944" t="31476" r="29091" b="23520"/>
+          <a:stretch/>
+        </p:blipFill>
+        <p:spPr>
+          <a:xfrm>
+            <a:off x="1288474" y="751804"/>
+            <a:ext cx="7414948" cy="5368422"/>
+          </a:xfrm>
+          <a:prstGeom prst="rect">
+            <a:avLst/>
+          </a:prstGeom>
+        </p:spPr>
+      </p:pic>
     </p:spTree>
   </p:cSld>
   <p:clrMapOvr>
@@ -45734,7 +44712,7 @@
         </p:nvSpPr>
         <p:spPr>
           <a:xfrm>
-            <a:off x="861607" y="5469157"/>
+            <a:off x="837993" y="6083439"/>
             <a:ext cx="8658478" cy="707886"/>
           </a:xfrm>
           <a:prstGeom prst="rect">
@@ -45751,32 +44729,17 @@
             <a:pPr algn="ctr"/>
             <a:r>
               <a:rPr lang="ru-RU" sz="2000" dirty="0">
-                <a:solidFill>
-                  <a:schemeClr val="accent1">
-                    <a:lumMod val="50000"/>
-                  </a:schemeClr>
-                </a:solidFill>
                 <a:latin typeface="+mn-lt"/>
               </a:rPr>
               <a:t>Диаграмма процесса взаимодействия пользователя и проектируемой системы в нотации </a:t>
             </a:r>
             <a:r>
               <a:rPr lang="en-US" sz="2000" dirty="0">
-                <a:solidFill>
-                  <a:schemeClr val="accent1">
-                    <a:lumMod val="50000"/>
-                  </a:schemeClr>
-                </a:solidFill>
                 <a:latin typeface="+mn-lt"/>
               </a:rPr>
               <a:t>BPMN</a:t>
             </a:r>
             <a:endParaRPr lang="ru-RU" sz="2000" i="0" dirty="0">
-              <a:solidFill>
-                <a:schemeClr val="accent1">
-                  <a:lumMod val="50000"/>
-                </a:schemeClr>
-              </a:solidFill>
               <a:effectLst/>
               <a:latin typeface="+mn-lt"/>
             </a:endParaRPr>
@@ -46689,11 +45652,6 @@
             </a:pPr>
             <a:r>
               <a:rPr lang="ru-RU" sz="1400" b="1" i="0" dirty="0" err="1">
-                <a:solidFill>
-                  <a:schemeClr val="accent1">
-                    <a:lumMod val="50000"/>
-                  </a:schemeClr>
-                </a:solidFill>
                 <a:effectLst/>
                 <a:latin typeface="+mn-lt"/>
               </a:rPr>
@@ -46701,22 +45659,12 @@
             </a:r>
             <a:r>
               <a:rPr lang="ru-RU" sz="1400" b="1" i="0" dirty="0">
-                <a:solidFill>
-                  <a:schemeClr val="accent1">
-                    <a:lumMod val="50000"/>
-                  </a:schemeClr>
-                </a:solidFill>
                 <a:effectLst/>
                 <a:latin typeface="+mn-lt"/>
               </a:rPr>
               <a:t>:</a:t>
             </a:r>
             <a:endParaRPr lang="ru-RU" sz="1400" b="0" i="0" dirty="0">
-              <a:solidFill>
-                <a:schemeClr val="accent1">
-                  <a:lumMod val="50000"/>
-                </a:schemeClr>
-              </a:solidFill>
               <a:effectLst/>
               <a:latin typeface="+mn-lt"/>
             </a:endParaRPr>
@@ -46731,11 +45679,6 @@
             </a:pPr>
             <a:r>
               <a:rPr lang="en-US" sz="1400" b="1" i="0" dirty="0">
-                <a:solidFill>
-                  <a:schemeClr val="accent1">
-                    <a:lumMod val="50000"/>
-                  </a:schemeClr>
-                </a:solidFill>
                 <a:effectLst/>
                 <a:latin typeface="+mn-lt"/>
               </a:rPr>
@@ -46743,11 +45686,6 @@
             </a:r>
             <a:r>
               <a:rPr lang="en-US" sz="1400" b="0" i="0" dirty="0">
-                <a:solidFill>
-                  <a:schemeClr val="accent1">
-                    <a:lumMod val="50000"/>
-                  </a:schemeClr>
-                </a:solidFill>
                 <a:effectLst/>
                 <a:latin typeface="+mn-lt"/>
               </a:rPr>
@@ -46755,11 +45693,6 @@
             </a:r>
             <a:r>
               <a:rPr lang="en-US" sz="1400" b="1" i="0" dirty="0">
-                <a:solidFill>
-                  <a:schemeClr val="accent1">
-                    <a:lumMod val="50000"/>
-                  </a:schemeClr>
-                </a:solidFill>
                 <a:effectLst/>
                 <a:latin typeface="+mn-lt"/>
               </a:rPr>
@@ -46767,22 +45700,12 @@
             </a:r>
             <a:r>
               <a:rPr lang="en-US" sz="1400" b="0" i="0" dirty="0">
-                <a:solidFill>
-                  <a:schemeClr val="accent1">
-                    <a:lumMod val="50000"/>
-                  </a:schemeClr>
-                </a:solidFill>
                 <a:effectLst/>
                 <a:latin typeface="+mn-lt"/>
               </a:rPr>
               <a:t> </a:t>
             </a:r>
             <a:endParaRPr lang="ru-RU" sz="1400" b="0" i="0" dirty="0">
-              <a:solidFill>
-                <a:schemeClr val="accent1">
-                  <a:lumMod val="50000"/>
-                </a:schemeClr>
-              </a:solidFill>
               <a:effectLst/>
               <a:latin typeface="+mn-lt"/>
             </a:endParaRPr>
@@ -46797,11 +45720,6 @@
             </a:pPr>
             <a:r>
               <a:rPr lang="en-US" sz="1400" b="1" i="0" dirty="0">
-                <a:solidFill>
-                  <a:schemeClr val="accent1">
-                    <a:lumMod val="50000"/>
-                  </a:schemeClr>
-                </a:solidFill>
                 <a:effectLst/>
                 <a:latin typeface="+mn-lt"/>
               </a:rPr>
@@ -46809,22 +45727,12 @@
             </a:r>
             <a:r>
               <a:rPr lang="en-US" sz="1400" b="0" i="0" dirty="0">
-                <a:solidFill>
-                  <a:schemeClr val="accent1">
-                    <a:lumMod val="50000"/>
-                  </a:schemeClr>
-                </a:solidFill>
                 <a:effectLst/>
                 <a:latin typeface="+mn-lt"/>
               </a:rPr>
               <a:t> </a:t>
             </a:r>
             <a:endParaRPr lang="ru-RU" sz="1400" b="0" i="0" dirty="0">
-              <a:solidFill>
-                <a:schemeClr val="accent1">
-                  <a:lumMod val="50000"/>
-                </a:schemeClr>
-              </a:solidFill>
               <a:effectLst/>
               <a:latin typeface="+mn-lt"/>
             </a:endParaRPr>
@@ -46839,11 +45747,6 @@
             </a:pPr>
             <a:r>
               <a:rPr lang="en-US" sz="1400" b="1" i="0" dirty="0">
-                <a:solidFill>
-                  <a:schemeClr val="accent1">
-                    <a:lumMod val="50000"/>
-                  </a:schemeClr>
-                </a:solidFill>
                 <a:effectLst/>
                 <a:latin typeface="+mn-lt"/>
               </a:rPr>
@@ -46851,11 +45754,6 @@
             </a:r>
             <a:r>
               <a:rPr lang="en-US" sz="1400" b="0" i="0" dirty="0">
-                <a:solidFill>
-                  <a:schemeClr val="accent1">
-                    <a:lumMod val="50000"/>
-                  </a:schemeClr>
-                </a:solidFill>
                 <a:effectLst/>
                 <a:latin typeface="+mn-lt"/>
               </a:rPr>
@@ -46863,11 +45761,6 @@
             </a:r>
             <a:r>
               <a:rPr lang="en-US" sz="1400" b="1" i="0" dirty="0">
-                <a:solidFill>
-                  <a:schemeClr val="accent1">
-                    <a:lumMod val="50000"/>
-                  </a:schemeClr>
-                </a:solidFill>
                 <a:effectLst/>
                 <a:latin typeface="+mn-lt"/>
               </a:rPr>
@@ -46875,22 +45768,12 @@
             </a:r>
             <a:r>
               <a:rPr lang="en-US" sz="1400" b="0" i="0" dirty="0">
-                <a:solidFill>
-                  <a:schemeClr val="accent1">
-                    <a:lumMod val="50000"/>
-                  </a:schemeClr>
-                </a:solidFill>
                 <a:effectLst/>
                 <a:latin typeface="+mn-lt"/>
               </a:rPr>
               <a:t> </a:t>
             </a:r>
             <a:endParaRPr lang="ru-RU" sz="1400" b="0" i="0" dirty="0">
-              <a:solidFill>
-                <a:schemeClr val="accent1">
-                  <a:lumMod val="50000"/>
-                </a:schemeClr>
-              </a:solidFill>
               <a:effectLst/>
               <a:latin typeface="+mn-lt"/>
             </a:endParaRPr>
@@ -46905,11 +45788,6 @@
             </a:pPr>
             <a:r>
               <a:rPr lang="en-US" sz="1400" b="1" i="0" dirty="0">
-                <a:solidFill>
-                  <a:schemeClr val="accent1">
-                    <a:lumMod val="50000"/>
-                  </a:schemeClr>
-                </a:solidFill>
                 <a:effectLst/>
                 <a:latin typeface="+mn-lt"/>
               </a:rPr>
@@ -46917,22 +45795,12 @@
             </a:r>
             <a:r>
               <a:rPr lang="en-US" sz="1400" b="0" i="0" dirty="0">
-                <a:solidFill>
-                  <a:schemeClr val="accent1">
-                    <a:lumMod val="50000"/>
-                  </a:schemeClr>
-                </a:solidFill>
                 <a:effectLst/>
                 <a:latin typeface="+mn-lt"/>
               </a:rPr>
               <a:t> </a:t>
             </a:r>
             <a:endParaRPr lang="ru-RU" sz="1400" b="0" i="0" dirty="0">
-              <a:solidFill>
-                <a:schemeClr val="accent1">
-                  <a:lumMod val="50000"/>
-                </a:schemeClr>
-              </a:solidFill>
               <a:effectLst/>
               <a:latin typeface="+mn-lt"/>
             </a:endParaRPr>
@@ -46945,11 +45813,6 @@
             </a:pPr>
             <a:r>
               <a:rPr lang="ru-RU" sz="1400" b="1" i="0" dirty="0" err="1">
-                <a:solidFill>
-                  <a:schemeClr val="accent1">
-                    <a:lumMod val="50000"/>
-                  </a:schemeClr>
-                </a:solidFill>
                 <a:effectLst/>
                 <a:latin typeface="+mn-lt"/>
               </a:rPr>
@@ -46957,22 +45820,12 @@
             </a:r>
             <a:r>
               <a:rPr lang="ru-RU" sz="1400" b="1" i="0" dirty="0">
-                <a:solidFill>
-                  <a:schemeClr val="accent1">
-                    <a:lumMod val="50000"/>
-                  </a:schemeClr>
-                </a:solidFill>
                 <a:effectLst/>
                 <a:latin typeface="+mn-lt"/>
               </a:rPr>
               <a:t>:</a:t>
             </a:r>
             <a:endParaRPr lang="ru-RU" sz="1400" b="0" i="0" dirty="0">
-              <a:solidFill>
-                <a:schemeClr val="accent1">
-                  <a:lumMod val="50000"/>
-                </a:schemeClr>
-              </a:solidFill>
               <a:effectLst/>
               <a:latin typeface="+mn-lt"/>
             </a:endParaRPr>
@@ -46987,11 +45840,6 @@
             </a:pPr>
             <a:r>
               <a:rPr lang="en-US" sz="1400" b="1" i="0" dirty="0">
-                <a:solidFill>
-                  <a:schemeClr val="accent1">
-                    <a:lumMod val="50000"/>
-                  </a:schemeClr>
-                </a:solidFill>
                 <a:effectLst/>
                 <a:latin typeface="+mn-lt"/>
               </a:rPr>
@@ -46999,11 +45847,6 @@
             </a:r>
             <a:r>
               <a:rPr lang="en-US" sz="1400" b="0" i="0" dirty="0">
-                <a:solidFill>
-                  <a:schemeClr val="accent1">
-                    <a:lumMod val="50000"/>
-                  </a:schemeClr>
-                </a:solidFill>
                 <a:effectLst/>
                 <a:latin typeface="+mn-lt"/>
               </a:rPr>
@@ -47011,11 +45854,6 @@
             </a:r>
             <a:r>
               <a:rPr lang="en-US" sz="1400" b="1" i="0" dirty="0">
-                <a:solidFill>
-                  <a:schemeClr val="accent1">
-                    <a:lumMod val="50000"/>
-                  </a:schemeClr>
-                </a:solidFill>
                 <a:effectLst/>
                 <a:latin typeface="+mn-lt"/>
               </a:rPr>
@@ -47023,11 +45861,6 @@
             </a:r>
             <a:r>
               <a:rPr lang="en-US" sz="1400" b="0" i="0" dirty="0">
-                <a:solidFill>
-                  <a:schemeClr val="accent1">
-                    <a:lumMod val="50000"/>
-                  </a:schemeClr>
-                </a:solidFill>
                 <a:effectLst/>
                 <a:latin typeface="+mn-lt"/>
               </a:rPr>
@@ -47044,11 +45877,6 @@
             </a:pPr>
             <a:r>
               <a:rPr lang="en-US" sz="1400" b="1" i="0" dirty="0">
-                <a:solidFill>
-                  <a:schemeClr val="accent1">
-                    <a:lumMod val="50000"/>
-                  </a:schemeClr>
-                </a:solidFill>
                 <a:effectLst/>
                 <a:latin typeface="+mn-lt"/>
               </a:rPr>
@@ -47056,11 +45884,6 @@
             </a:r>
             <a:r>
               <a:rPr lang="en-US" sz="1400" b="0" i="0" dirty="0">
-                <a:solidFill>
-                  <a:schemeClr val="accent1">
-                    <a:lumMod val="50000"/>
-                  </a:schemeClr>
-                </a:solidFill>
                 <a:effectLst/>
                 <a:latin typeface="+mn-lt"/>
               </a:rPr>
@@ -47068,11 +45891,6 @@
             </a:r>
             <a:r>
               <a:rPr lang="en-US" sz="1400" b="1" i="0" dirty="0">
-                <a:solidFill>
-                  <a:schemeClr val="accent1">
-                    <a:lumMod val="50000"/>
-                  </a:schemeClr>
-                </a:solidFill>
                 <a:effectLst/>
                 <a:latin typeface="+mn-lt"/>
               </a:rPr>
@@ -47080,22 +45898,12 @@
             </a:r>
             <a:r>
               <a:rPr lang="en-US" sz="1400" b="0" i="0" dirty="0">
-                <a:solidFill>
-                  <a:schemeClr val="accent1">
-                    <a:lumMod val="50000"/>
-                  </a:schemeClr>
-                </a:solidFill>
                 <a:effectLst/>
                 <a:latin typeface="+mn-lt"/>
               </a:rPr>
               <a:t> </a:t>
             </a:r>
             <a:endParaRPr lang="ru-RU" sz="1400" b="0" i="0" dirty="0">
-              <a:solidFill>
-                <a:schemeClr val="accent1">
-                  <a:lumMod val="50000"/>
-                </a:schemeClr>
-              </a:solidFill>
               <a:effectLst/>
               <a:latin typeface="+mn-lt"/>
             </a:endParaRPr>
@@ -47110,11 +45918,6 @@
             </a:pPr>
             <a:r>
               <a:rPr lang="en-US" sz="1400" b="1" i="0" dirty="0">
-                <a:solidFill>
-                  <a:schemeClr val="accent1">
-                    <a:lumMod val="50000"/>
-                  </a:schemeClr>
-                </a:solidFill>
                 <a:effectLst/>
                 <a:latin typeface="+mn-lt"/>
               </a:rPr>
@@ -47122,22 +45925,12 @@
             </a:r>
             <a:r>
               <a:rPr lang="en-US" sz="1400" b="0" i="0" dirty="0">
-                <a:solidFill>
-                  <a:schemeClr val="accent1">
-                    <a:lumMod val="50000"/>
-                  </a:schemeClr>
-                </a:solidFill>
                 <a:effectLst/>
                 <a:latin typeface="+mn-lt"/>
               </a:rPr>
               <a:t> </a:t>
             </a:r>
             <a:endParaRPr lang="ru-RU" sz="1400" b="0" i="0" dirty="0">
-              <a:solidFill>
-                <a:schemeClr val="accent1">
-                  <a:lumMod val="50000"/>
-                </a:schemeClr>
-              </a:solidFill>
               <a:effectLst/>
               <a:latin typeface="+mn-lt"/>
             </a:endParaRPr>
@@ -47152,11 +45945,6 @@
             </a:pPr>
             <a:r>
               <a:rPr lang="en-US" sz="1400" b="1" i="0" dirty="0">
-                <a:solidFill>
-                  <a:schemeClr val="accent1">
-                    <a:lumMod val="50000"/>
-                  </a:schemeClr>
-                </a:solidFill>
                 <a:effectLst/>
                 <a:latin typeface="+mn-lt"/>
               </a:rPr>
@@ -47164,22 +45952,12 @@
             </a:r>
             <a:r>
               <a:rPr lang="en-US" sz="1400" b="0" i="0" dirty="0">
-                <a:solidFill>
-                  <a:schemeClr val="accent1">
-                    <a:lumMod val="50000"/>
-                  </a:schemeClr>
-                </a:solidFill>
                 <a:effectLst/>
                 <a:latin typeface="+mn-lt"/>
               </a:rPr>
               <a:t> </a:t>
             </a:r>
             <a:endParaRPr lang="ru-RU" sz="1400" b="0" i="0" dirty="0">
-              <a:solidFill>
-                <a:schemeClr val="accent1">
-                  <a:lumMod val="50000"/>
-                </a:schemeClr>
-              </a:solidFill>
               <a:effectLst/>
               <a:latin typeface="+mn-lt"/>
             </a:endParaRPr>
@@ -47192,22 +45970,12 @@
             </a:pPr>
             <a:r>
               <a:rPr lang="ru-RU" sz="1400" b="1" i="0" dirty="0">
-                <a:solidFill>
-                  <a:schemeClr val="accent1">
-                    <a:lumMod val="50000"/>
-                  </a:schemeClr>
-                </a:solidFill>
                 <a:effectLst/>
                 <a:latin typeface="+mn-lt"/>
               </a:rPr>
               <a:t>База данных:</a:t>
             </a:r>
             <a:endParaRPr lang="ru-RU" sz="1400" b="0" i="0" dirty="0">
-              <a:solidFill>
-                <a:schemeClr val="accent1">
-                  <a:lumMod val="50000"/>
-                </a:schemeClr>
-              </a:solidFill>
               <a:effectLst/>
               <a:latin typeface="+mn-lt"/>
             </a:endParaRPr>
@@ -47222,11 +45990,6 @@
             </a:pPr>
             <a:r>
               <a:rPr lang="en-US" sz="1400" b="1" i="0" dirty="0">
-                <a:solidFill>
-                  <a:schemeClr val="accent1">
-                    <a:lumMod val="50000"/>
-                  </a:schemeClr>
-                </a:solidFill>
                 <a:effectLst/>
                 <a:latin typeface="+mn-lt"/>
               </a:rPr>
@@ -47234,11 +45997,6 @@
             </a:r>
             <a:r>
               <a:rPr lang="en-US" sz="1400" b="0" i="0" dirty="0">
-                <a:solidFill>
-                  <a:schemeClr val="accent1">
-                    <a:lumMod val="50000"/>
-                  </a:schemeClr>
-                </a:solidFill>
                 <a:effectLst/>
                 <a:latin typeface="+mn-lt"/>
               </a:rPr>
@@ -47246,11 +46004,6 @@
             </a:r>
             <a:r>
               <a:rPr lang="en-US" sz="1400" b="1" i="0" dirty="0" err="1">
-                <a:solidFill>
-                  <a:schemeClr val="accent1">
-                    <a:lumMod val="50000"/>
-                  </a:schemeClr>
-                </a:solidFill>
                 <a:effectLst/>
                 <a:latin typeface="+mn-lt"/>
               </a:rPr>
@@ -47258,22 +46011,12 @@
             </a:r>
             <a:r>
               <a:rPr lang="en-US" sz="1400" b="0" i="0" dirty="0">
-                <a:solidFill>
-                  <a:schemeClr val="accent1">
-                    <a:lumMod val="50000"/>
-                  </a:schemeClr>
-                </a:solidFill>
                 <a:effectLst/>
                 <a:latin typeface="+mn-lt"/>
               </a:rPr>
               <a:t> </a:t>
             </a:r>
             <a:endParaRPr lang="ru-RU" sz="1400" b="0" i="0" dirty="0">
-              <a:solidFill>
-                <a:schemeClr val="accent1">
-                  <a:lumMod val="50000"/>
-                </a:schemeClr>
-              </a:solidFill>
               <a:effectLst/>
               <a:latin typeface="+mn-lt"/>
             </a:endParaRPr>
@@ -47288,22 +46031,12 @@
             </a:pPr>
             <a:r>
               <a:rPr lang="ru-RU" sz="1400" b="1" i="0" dirty="0">
-                <a:solidFill>
-                  <a:schemeClr val="accent1">
-                    <a:lumMod val="50000"/>
-                  </a:schemeClr>
-                </a:solidFill>
                 <a:effectLst/>
                 <a:latin typeface="+mn-lt"/>
               </a:rPr>
               <a:t>Инфраструктура:</a:t>
             </a:r>
             <a:endParaRPr lang="ru-RU" sz="1400" b="0" i="0" dirty="0">
-              <a:solidFill>
-                <a:schemeClr val="accent1">
-                  <a:lumMod val="50000"/>
-                </a:schemeClr>
-              </a:solidFill>
               <a:effectLst/>
               <a:latin typeface="+mn-lt"/>
             </a:endParaRPr>
@@ -47318,11 +46051,6 @@
             </a:pPr>
             <a:r>
               <a:rPr lang="en-US" sz="1400" b="1" i="0" dirty="0">
-                <a:solidFill>
-                  <a:schemeClr val="accent1">
-                    <a:lumMod val="50000"/>
-                  </a:schemeClr>
-                </a:solidFill>
                 <a:effectLst/>
                 <a:latin typeface="+mn-lt"/>
               </a:rPr>
@@ -47330,22 +46058,12 @@
             </a:r>
             <a:r>
               <a:rPr lang="en-US" sz="1400" b="0" i="0" dirty="0">
-                <a:solidFill>
-                  <a:schemeClr val="accent1">
-                    <a:lumMod val="50000"/>
-                  </a:schemeClr>
-                </a:solidFill>
                 <a:effectLst/>
                 <a:latin typeface="+mn-lt"/>
               </a:rPr>
               <a:t> </a:t>
             </a:r>
             <a:endParaRPr lang="ru-RU" sz="1400" b="0" i="0" dirty="0">
-              <a:solidFill>
-                <a:schemeClr val="accent1">
-                  <a:lumMod val="50000"/>
-                </a:schemeClr>
-              </a:solidFill>
               <a:effectLst/>
               <a:latin typeface="+mn-lt"/>
             </a:endParaRPr>
@@ -47360,11 +46078,6 @@
             </a:pPr>
             <a:r>
               <a:rPr lang="en-US" sz="1400" b="1" i="0" dirty="0">
-                <a:solidFill>
-                  <a:schemeClr val="accent1">
-                    <a:lumMod val="50000"/>
-                  </a:schemeClr>
-                </a:solidFill>
                 <a:effectLst/>
                 <a:latin typeface="+mn-lt"/>
               </a:rPr>
@@ -47372,22 +46085,12 @@
             </a:r>
             <a:r>
               <a:rPr lang="en-US" sz="1400" b="0" i="0" dirty="0">
-                <a:solidFill>
-                  <a:schemeClr val="accent1">
-                    <a:lumMod val="50000"/>
-                  </a:schemeClr>
-                </a:solidFill>
                 <a:effectLst/>
                 <a:latin typeface="+mn-lt"/>
               </a:rPr>
               <a:t> </a:t>
             </a:r>
             <a:endParaRPr lang="ru-RU" sz="1400" b="0" i="0" dirty="0">
-              <a:solidFill>
-                <a:schemeClr val="accent1">
-                  <a:lumMod val="50000"/>
-                </a:schemeClr>
-              </a:solidFill>
               <a:effectLst/>
               <a:latin typeface="+mn-lt"/>
             </a:endParaRPr>
@@ -47400,22 +46103,12 @@
             </a:pPr>
             <a:r>
               <a:rPr lang="ru-RU" sz="1400" b="1" i="0" dirty="0">
-                <a:solidFill>
-                  <a:schemeClr val="accent1">
-                    <a:lumMod val="50000"/>
-                  </a:schemeClr>
-                </a:solidFill>
                 <a:effectLst/>
                 <a:latin typeface="+mn-lt"/>
               </a:rPr>
               <a:t>Аппаратные требования:</a:t>
             </a:r>
             <a:endParaRPr lang="ru-RU" sz="1400" b="0" i="0" dirty="0">
-              <a:solidFill>
-                <a:schemeClr val="accent1">
-                  <a:lumMod val="50000"/>
-                </a:schemeClr>
-              </a:solidFill>
               <a:effectLst/>
               <a:latin typeface="+mn-lt"/>
             </a:endParaRPr>
@@ -47430,11 +46123,6 @@
             </a:pPr>
             <a:r>
               <a:rPr lang="ru-RU" sz="1400" b="1" i="0" dirty="0">
-                <a:solidFill>
-                  <a:schemeClr val="accent1">
-                    <a:lumMod val="50000"/>
-                  </a:schemeClr>
-                </a:solidFill>
                 <a:effectLst/>
                 <a:latin typeface="+mn-lt"/>
               </a:rPr>
@@ -47442,11 +46130,6 @@
             </a:r>
             <a:r>
               <a:rPr lang="en-US" sz="1400" b="1" i="0" dirty="0">
-                <a:solidFill>
-                  <a:schemeClr val="accent1">
-                    <a:lumMod val="50000"/>
-                  </a:schemeClr>
-                </a:solidFill>
                 <a:effectLst/>
                 <a:latin typeface="+mn-lt"/>
               </a:rPr>
@@ -47454,11 +46137,6 @@
             </a:r>
             <a:r>
               <a:rPr lang="en-US" sz="1400" b="0" i="0" dirty="0">
-                <a:solidFill>
-                  <a:schemeClr val="accent1">
-                    <a:lumMod val="50000"/>
-                  </a:schemeClr>
-                </a:solidFill>
                 <a:effectLst/>
                 <a:latin typeface="+mn-lt"/>
               </a:rPr>
@@ -47466,11 +46144,6 @@
             </a:r>
             <a:r>
               <a:rPr lang="en-US" sz="1400" b="1" i="0" dirty="0">
-                <a:solidFill>
-                  <a:schemeClr val="accent1">
-                    <a:lumMod val="50000"/>
-                  </a:schemeClr>
-                </a:solidFill>
                 <a:effectLst/>
                 <a:latin typeface="+mn-lt"/>
               </a:rPr>
@@ -47478,11 +46151,6 @@
             </a:r>
             <a:r>
               <a:rPr lang="ru-RU" sz="1400" b="1" i="0" dirty="0">
-                <a:solidFill>
-                  <a:schemeClr val="accent1">
-                    <a:lumMod val="50000"/>
-                  </a:schemeClr>
-                </a:solidFill>
                 <a:effectLst/>
                 <a:latin typeface="+mn-lt"/>
               </a:rPr>
@@ -47490,11 +46158,6 @@
             </a:r>
             <a:r>
               <a:rPr lang="en-US" sz="1400" b="1" i="0" dirty="0">
-                <a:solidFill>
-                  <a:schemeClr val="accent1">
-                    <a:lumMod val="50000"/>
-                  </a:schemeClr>
-                </a:solidFill>
                 <a:effectLst/>
                 <a:latin typeface="+mn-lt"/>
               </a:rPr>
@@ -47502,11 +46165,6 @@
             </a:r>
             <a:r>
               <a:rPr lang="en-US" sz="1400" b="0" i="0" dirty="0">
-                <a:solidFill>
-                  <a:schemeClr val="accent1">
-                    <a:lumMod val="50000"/>
-                  </a:schemeClr>
-                </a:solidFill>
                 <a:effectLst/>
                 <a:latin typeface="+mn-lt"/>
               </a:rPr>
@@ -47514,11 +46172,6 @@
             </a:r>
             <a:r>
               <a:rPr lang="en-US" sz="1400" b="1" i="0" dirty="0">
-                <a:solidFill>
-                  <a:schemeClr val="accent1">
-                    <a:lumMod val="50000"/>
-                  </a:schemeClr>
-                </a:solidFill>
                 <a:effectLst/>
                 <a:latin typeface="+mn-lt"/>
               </a:rPr>
@@ -47526,22 +46179,12 @@
             </a:r>
             <a:r>
               <a:rPr lang="ru-RU" sz="1400" b="1" i="0" dirty="0">
-                <a:solidFill>
-                  <a:schemeClr val="accent1">
-                    <a:lumMod val="50000"/>
-                  </a:schemeClr>
-                </a:solidFill>
                 <a:effectLst/>
                 <a:latin typeface="+mn-lt"/>
               </a:rPr>
               <a:t> 512ГБ</a:t>
             </a:r>
             <a:endParaRPr lang="en-US" sz="1400" b="0" i="0" dirty="0">
-              <a:solidFill>
-                <a:schemeClr val="accent1">
-                  <a:lumMod val="50000"/>
-                </a:schemeClr>
-              </a:solidFill>
               <a:effectLst/>
               <a:latin typeface="+mn-lt"/>
             </a:endParaRPr>
@@ -47556,11 +46199,6 @@
             </a:pPr>
             <a:r>
               <a:rPr lang="ru-RU" sz="1400" b="1" i="0" dirty="0">
-                <a:solidFill>
-                  <a:schemeClr val="accent1">
-                    <a:lumMod val="50000"/>
-                  </a:schemeClr>
-                </a:solidFill>
                 <a:effectLst/>
                 <a:latin typeface="+mn-lt"/>
               </a:rPr>
@@ -47568,11 +46206,6 @@
             </a:r>
             <a:r>
               <a:rPr lang="ru-RU" sz="1400" b="0" i="0" dirty="0">
-                <a:solidFill>
-                  <a:schemeClr val="accent1">
-                    <a:lumMod val="50000"/>
-                  </a:schemeClr>
-                </a:solidFill>
                 <a:effectLst/>
                 <a:latin typeface="+mn-lt"/>
               </a:rPr>

--- a/Documents/Презентация ВКР Семенов Е.А. БПЦ 21-01.pptx
+++ b/Documents/Презентация ВКР Семенов Е.А. БПЦ 21-01.pptx
@@ -361,7 +361,7 @@
               <a:pPr>
                 <a:defRPr/>
               </a:pPr>
-              <a:t>6/8/2025</a:t>
+              <a:t>6/17/2025</a:t>
             </a:fld>
             <a:endParaRPr lang="en-US"/>
           </a:p>
@@ -595,7 +595,7 @@
               <a:pPr>
                 <a:defRPr/>
               </a:pPr>
-              <a:t>08.06.2025</a:t>
+              <a:t>17.06.2025</a:t>
             </a:fld>
             <a:endParaRPr lang="ru-RU"/>
           </a:p>
@@ -43001,7 +43001,7 @@
           <p:nvPr/>
         </p:nvPicPr>
         <p:blipFill>
-          <a:blip r:embed="rId3">
+          <a:blip r:embed="rId4">
             <a:extLst>
               <a:ext uri="{28A0092B-C50C-407E-A947-70E740481C1C}">
                 <a14:useLocalDpi xmlns:a14="http://schemas.microsoft.com/office/drawing/2010/main" val="0"/>
@@ -43116,7 +43116,7 @@
           <p:nvPr/>
         </p:nvPicPr>
         <p:blipFill>
-          <a:blip r:embed="rId4" cstate="print">
+          <a:blip r:embed="rId5" cstate="print">
             <a:duotone>
               <a:schemeClr val="bg2">
                 <a:shade val="45000"/>
@@ -43159,7 +43159,7 @@
           <p:nvPr/>
         </p:nvPicPr>
         <p:blipFill>
-          <a:blip r:embed="rId5" cstate="print">
+          <a:blip r:embed="rId6" cstate="print">
             <a:duotone>
               <a:schemeClr val="bg2">
                 <a:shade val="45000"/>
@@ -43196,7 +43196,7 @@
           <p:nvPr/>
         </p:nvPicPr>
         <p:blipFill>
-          <a:blip r:embed="rId6">
+          <a:blip r:embed="rId7">
             <a:extLst>
               <a:ext uri="{28A0092B-C50C-407E-A947-70E740481C1C}">
                 <a14:useLocalDpi xmlns:a14="http://schemas.microsoft.com/office/drawing/2010/main" val="0"/>
@@ -43821,47 +43821,164 @@
           <a:p>
             <a:pPr algn="ctr"/>
             <a:r>
-              <a:rPr lang="ru-RU" sz="2000" dirty="0">
+              <a:rPr lang="en-US" sz="2000" i="0" dirty="0">
+                <a:effectLst/>
                 <a:latin typeface="+mn-lt"/>
               </a:rPr>
-              <a:t>Схема хранения данных</a:t>
+              <a:t>ER-</a:t>
             </a:r>
-            <a:endParaRPr lang="ru-RU" sz="2000" i="0" dirty="0">
-              <a:effectLst/>
-              <a:latin typeface="+mn-lt"/>
-            </a:endParaRPr>
+            <a:r>
+              <a:rPr lang="ru-RU" sz="2000" i="0" dirty="0">
+                <a:effectLst/>
+                <a:latin typeface="+mn-lt"/>
+              </a:rPr>
+              <a:t>диаграмма</a:t>
+            </a:r>
           </a:p>
         </p:txBody>
       </p:sp>
-      <p:pic>
-        <p:nvPicPr>
-          <p:cNvPr id="4" name="Рисунок 3">
+      <p:sp>
+        <p:nvSpPr>
+          <p:cNvPr id="2" name="Rectangle 2">
             <a:extLst>
               <a:ext uri="{FF2B5EF4-FFF2-40B4-BE49-F238E27FC236}">
-                <a16:creationId xmlns:a16="http://schemas.microsoft.com/office/drawing/2014/main" id="{D37ED02D-1DE3-4F4D-A126-60291E9A3DCB}"/>
+                <a16:creationId xmlns:a16="http://schemas.microsoft.com/office/drawing/2014/main" id="{03FCA23B-7C13-4D23-A388-0F9E397674A2}"/>
               </a:ext>
             </a:extLst>
           </p:cNvPr>
-          <p:cNvPicPr>
-            <a:picLocks noChangeAspect="1"/>
-          </p:cNvPicPr>
+          <p:cNvSpPr>
+            <a:spLocks noChangeArrowheads="1"/>
+          </p:cNvSpPr>
           <p:nvPr/>
-        </p:nvPicPr>
-        <p:blipFill rotWithShape="1">
-          <a:blip r:embed="rId7"/>
-          <a:srcRect l="35944" t="31476" r="29091" b="23520"/>
-          <a:stretch/>
-        </p:blipFill>
-        <p:spPr>
-          <a:xfrm>
-            <a:off x="1288474" y="751804"/>
-            <a:ext cx="7414948" cy="5368422"/>
+        </p:nvSpPr>
+        <p:spPr bwMode="auto">
+          <a:xfrm flipV="1">
+            <a:off x="1328004" y="1204464"/>
+            <a:ext cx="10928290" cy="45719"/>
           </a:xfrm>
           <a:prstGeom prst="rect">
             <a:avLst/>
           </a:prstGeom>
+          <a:noFill/>
+          <a:ln>
+            <a:noFill/>
+          </a:ln>
+          <a:effectLst/>
+          <a:extLst>
+            <a:ext uri="{909E8E84-426E-40DD-AFC4-6F175D3DCCD1}">
+              <a14:hiddenFill xmlns:a14="http://schemas.microsoft.com/office/drawing/2010/main">
+                <a:solidFill>
+                  <a:schemeClr val="accent1"/>
+                </a:solidFill>
+              </a14:hiddenFill>
+            </a:ext>
+            <a:ext uri="{91240B29-F687-4F45-9708-019B960494DF}">
+              <a14:hiddenLine xmlns:a14="http://schemas.microsoft.com/office/drawing/2010/main" w="9525">
+                <a:solidFill>
+                  <a:schemeClr val="tx1"/>
+                </a:solidFill>
+                <a:miter lim="800000"/>
+                <a:headEnd/>
+                <a:tailEnd/>
+              </a14:hiddenLine>
+            </a:ext>
+            <a:ext uri="{AF507438-7753-43E0-B8FC-AC1667EBCBE1}">
+              <a14:hiddenEffects xmlns:a14="http://schemas.microsoft.com/office/drawing/2010/main">
+                <a:effectLst>
+                  <a:outerShdw dist="35921" dir="2700000" algn="ctr" rotWithShape="0">
+                    <a:schemeClr val="bg2"/>
+                  </a:outerShdw>
+                </a:effectLst>
+              </a14:hiddenEffects>
+            </a:ext>
+          </a:extLst>
         </p:spPr>
-      </p:pic>
+        <p:txBody>
+          <a:bodyPr vert="horz" wrap="square" lIns="91440" tIns="45720" rIns="91440" bIns="45720" numCol="1" anchor="ctr" anchorCtr="0" compatLnSpc="1">
+            <a:prstTxWarp prst="textNoShape">
+              <a:avLst/>
+            </a:prstTxWarp>
+            <a:spAutoFit/>
+          </a:bodyPr>
+          <a:lstStyle/>
+          <a:p>
+            <a:endParaRPr lang="ru-RU"/>
+          </a:p>
+        </p:txBody>
+      </p:sp>
+      <p:graphicFrame>
+        <p:nvGraphicFramePr>
+          <p:cNvPr id="3" name="Объект 2">
+            <a:extLst>
+              <a:ext uri="{FF2B5EF4-FFF2-40B4-BE49-F238E27FC236}">
+                <a16:creationId xmlns:a16="http://schemas.microsoft.com/office/drawing/2014/main" id="{CEAAA741-91C7-4BA6-B957-06E9FFCFE028}"/>
+              </a:ext>
+            </a:extLst>
+          </p:cNvPr>
+          <p:cNvGraphicFramePr>
+            <a:graphicFrameLocks noChangeAspect="1"/>
+          </p:cNvGraphicFramePr>
+          <p:nvPr>
+            <p:extLst>
+              <p:ext uri="{D42A27DB-BD31-4B8C-83A1-F6EECF244321}">
+                <p14:modId xmlns:p14="http://schemas.microsoft.com/office/powerpoint/2010/main" val="523113290"/>
+              </p:ext>
+            </p:extLst>
+          </p:nvPr>
+        </p:nvGraphicFramePr>
+        <p:xfrm>
+          <a:off x="1765426" y="766060"/>
+          <a:ext cx="7275763" cy="5453765"/>
+        </p:xfrm>
+        <a:graphic>
+          <a:graphicData uri="http://schemas.openxmlformats.org/presentationml/2006/ole">
+            <mc:AlternateContent xmlns:mc="http://schemas.openxmlformats.org/markup-compatibility/2006">
+              <mc:Choice xmlns:v="urn:schemas-microsoft-com:vml" Requires="v">
+                <p:oleObj spid="_x0000_s1027" name="Visio" r:id="rId8" imgW="7210304" imgH="5419657" progId="Visio.Drawing.15">
+                  <p:embed/>
+                </p:oleObj>
+              </mc:Choice>
+              <mc:Fallback>
+                <p:oleObj name="Visio" r:id="rId8" imgW="7210304" imgH="5419657" progId="Visio.Drawing.15">
+                  <p:embed/>
+                  <p:pic>
+                    <p:nvPicPr>
+                      <p:cNvPr id="0" name="Object 1"/>
+                      <p:cNvPicPr>
+                        <a:picLocks noChangeAspect="1" noChangeArrowheads="1"/>
+                      </p:cNvPicPr>
+                      <p:nvPr/>
+                    </p:nvPicPr>
+                    <p:blipFill>
+                      <a:blip r:embed="rId9">
+                        <a:extLst>
+                          <a:ext uri="{28A0092B-C50C-407E-A947-70E740481C1C}">
+                            <a14:useLocalDpi xmlns:a14="http://schemas.microsoft.com/office/drawing/2010/main" val="0"/>
+                          </a:ext>
+                        </a:extLst>
+                      </a:blip>
+                      <a:srcRect/>
+                      <a:stretch>
+                        <a:fillRect/>
+                      </a:stretch>
+                    </p:blipFill>
+                    <p:spPr bwMode="auto">
+                      <a:xfrm>
+                        <a:off x="1765426" y="766060"/>
+                        <a:ext cx="7275763" cy="5453765"/>
+                      </a:xfrm>
+                      <a:prstGeom prst="rect">
+                        <a:avLst/>
+                      </a:prstGeom>
+                      <a:noFill/>
+                    </p:spPr>
+                  </p:pic>
+                </p:oleObj>
+              </mc:Fallback>
+            </mc:AlternateContent>
+          </a:graphicData>
+        </a:graphic>
+      </p:graphicFrame>
     </p:spTree>
   </p:cSld>
   <p:clrMapOvr>
